--- a/CreditCardChecker.pptx
+++ b/CreditCardChecker.pptx
@@ -1,9 +1,12 @@
 
 <file path=ppt/presentation.xml><?xml version="1.0" encoding="utf-8"?>
-<p:presentation xmlns:a="http://schemas.openxmlformats.org/drawingml/2006/main" xmlns:r="http://schemas.openxmlformats.org/officeDocument/2006/relationships" xmlns:mc="http://schemas.openxmlformats.org/markup-compatibility/2006" xmlns:mv="urn:schemas-microsoft-com:mac:vml" xmlns:p="http://schemas.openxmlformats.org/presentationml/2006/main" mc:Ignorable="mv" mc:PreserveAttributes="mv:*" saveSubsetFonts="1">
+<p:presentation xmlns:a="http://schemas.openxmlformats.org/drawingml/2006/main" xmlns:r="http://schemas.openxmlformats.org/officeDocument/2006/relationships" xmlns:p="http://schemas.openxmlformats.org/presentationml/2006/main" saveSubsetFonts="1">
   <p:sldMasterIdLst>
     <p:sldMasterId id="2147483792" r:id="rId1"/>
   </p:sldMasterIdLst>
+  <p:notesMasterIdLst>
+    <p:notesMasterId r:id="rId18"/>
+  </p:notesMasterIdLst>
   <p:sldIdLst>
     <p:sldId id="256" r:id="rId2"/>
     <p:sldId id="257" r:id="rId3"/>
@@ -122,8 +125,1630 @@
 </p:presentation>
 </file>
 
+<file path=ppt/notesMasters/notesMaster1.xml><?xml version="1.0" encoding="utf-8"?>
+<p:notesMaster xmlns:a="http://schemas.openxmlformats.org/drawingml/2006/main" xmlns:r="http://schemas.openxmlformats.org/officeDocument/2006/relationships" xmlns:p="http://schemas.openxmlformats.org/presentationml/2006/main">
+  <p:cSld>
+    <p:bg>
+      <p:bgRef idx="1001">
+        <a:schemeClr val="bg1"/>
+      </p:bgRef>
+    </p:bg>
+    <p:spTree>
+      <p:nvGrpSpPr>
+        <p:cNvPr id="1" name=""/>
+        <p:cNvGrpSpPr/>
+        <p:nvPr/>
+      </p:nvGrpSpPr>
+      <p:grpSpPr>
+        <a:xfrm>
+          <a:off x="0" y="0"/>
+          <a:ext cx="0" cy="0"/>
+          <a:chOff x="0" y="0"/>
+          <a:chExt cx="0" cy="0"/>
+        </a:xfrm>
+      </p:grpSpPr>
+      <p:sp>
+        <p:nvSpPr>
+          <p:cNvPr id="2" name="Kopfzeilenplatzhalter 1"/>
+          <p:cNvSpPr>
+            <a:spLocks noGrp="1"/>
+          </p:cNvSpPr>
+          <p:nvPr>
+            <p:ph type="hdr" sz="quarter"/>
+          </p:nvPr>
+        </p:nvSpPr>
+        <p:spPr>
+          <a:xfrm>
+            <a:off x="0" y="0"/>
+            <a:ext cx="2971800" cy="457200"/>
+          </a:xfrm>
+          <a:prstGeom prst="rect">
+            <a:avLst/>
+          </a:prstGeom>
+        </p:spPr>
+        <p:txBody>
+          <a:bodyPr vert="horz" lIns="91440" tIns="45720" rIns="91440" bIns="45720" rtlCol="0"/>
+          <a:lstStyle>
+            <a:lvl1pPr algn="l">
+              <a:defRPr sz="1200"/>
+            </a:lvl1pPr>
+          </a:lstStyle>
+          <a:p>
+            <a:endParaRPr lang="de-CH"/>
+          </a:p>
+        </p:txBody>
+      </p:sp>
+      <p:sp>
+        <p:nvSpPr>
+          <p:cNvPr id="3" name="Datumsplatzhalter 2"/>
+          <p:cNvSpPr>
+            <a:spLocks noGrp="1"/>
+          </p:cNvSpPr>
+          <p:nvPr>
+            <p:ph type="dt" idx="1"/>
+          </p:nvPr>
+        </p:nvSpPr>
+        <p:spPr>
+          <a:xfrm>
+            <a:off x="3884613" y="0"/>
+            <a:ext cx="2971800" cy="457200"/>
+          </a:xfrm>
+          <a:prstGeom prst="rect">
+            <a:avLst/>
+          </a:prstGeom>
+        </p:spPr>
+        <p:txBody>
+          <a:bodyPr vert="horz" lIns="91440" tIns="45720" rIns="91440" bIns="45720" rtlCol="0"/>
+          <a:lstStyle>
+            <a:lvl1pPr algn="r">
+              <a:defRPr sz="1200"/>
+            </a:lvl1pPr>
+          </a:lstStyle>
+          <a:p>
+            <a:fld id="{0244D033-6E75-42F9-8973-C0AD200BC6ED}" type="datetimeFigureOut">
+              <a:rPr lang="de-CH" smtClean="0"/>
+              <a:t>31.03.2014</a:t>
+            </a:fld>
+            <a:endParaRPr lang="de-CH"/>
+          </a:p>
+        </p:txBody>
+      </p:sp>
+      <p:sp>
+        <p:nvSpPr>
+          <p:cNvPr id="4" name="Folienbildplatzhalter 3"/>
+          <p:cNvSpPr>
+            <a:spLocks noGrp="1" noRot="1" noChangeAspect="1"/>
+          </p:cNvSpPr>
+          <p:nvPr>
+            <p:ph type="sldImg" idx="2"/>
+          </p:nvPr>
+        </p:nvSpPr>
+        <p:spPr>
+          <a:xfrm>
+            <a:off x="1143000" y="685800"/>
+            <a:ext cx="4572000" cy="3429000"/>
+          </a:xfrm>
+          <a:prstGeom prst="rect">
+            <a:avLst/>
+          </a:prstGeom>
+          <a:noFill/>
+          <a:ln w="12700">
+            <a:solidFill>
+              <a:prstClr val="black"/>
+            </a:solidFill>
+          </a:ln>
+        </p:spPr>
+        <p:txBody>
+          <a:bodyPr vert="horz" lIns="91440" tIns="45720" rIns="91440" bIns="45720" rtlCol="0" anchor="ctr"/>
+          <a:lstStyle/>
+          <a:p>
+            <a:endParaRPr lang="de-CH"/>
+          </a:p>
+        </p:txBody>
+      </p:sp>
+      <p:sp>
+        <p:nvSpPr>
+          <p:cNvPr id="5" name="Notizenplatzhalter 4"/>
+          <p:cNvSpPr>
+            <a:spLocks noGrp="1"/>
+          </p:cNvSpPr>
+          <p:nvPr>
+            <p:ph type="body" sz="quarter" idx="3"/>
+          </p:nvPr>
+        </p:nvSpPr>
+        <p:spPr>
+          <a:xfrm>
+            <a:off x="685800" y="4343400"/>
+            <a:ext cx="5486400" cy="4114800"/>
+          </a:xfrm>
+          <a:prstGeom prst="rect">
+            <a:avLst/>
+          </a:prstGeom>
+        </p:spPr>
+        <p:txBody>
+          <a:bodyPr vert="horz" lIns="91440" tIns="45720" rIns="91440" bIns="45720" rtlCol="0"/>
+          <a:lstStyle/>
+          <a:p>
+            <a:pPr lvl="0"/>
+            <a:r>
+              <a:rPr lang="de-DE" smtClean="0"/>
+              <a:t>Textmasterformat bearbeiten</a:t>
+            </a:r>
+          </a:p>
+          <a:p>
+            <a:pPr lvl="1"/>
+            <a:r>
+              <a:rPr lang="de-DE" smtClean="0"/>
+              <a:t>Zweite Ebene</a:t>
+            </a:r>
+          </a:p>
+          <a:p>
+            <a:pPr lvl="2"/>
+            <a:r>
+              <a:rPr lang="de-DE" smtClean="0"/>
+              <a:t>Dritte Ebene</a:t>
+            </a:r>
+          </a:p>
+          <a:p>
+            <a:pPr lvl="3"/>
+            <a:r>
+              <a:rPr lang="de-DE" smtClean="0"/>
+              <a:t>Vierte Ebene</a:t>
+            </a:r>
+          </a:p>
+          <a:p>
+            <a:pPr lvl="4"/>
+            <a:r>
+              <a:rPr lang="de-DE" smtClean="0"/>
+              <a:t>Fünfte Ebene</a:t>
+            </a:r>
+            <a:endParaRPr lang="de-CH"/>
+          </a:p>
+        </p:txBody>
+      </p:sp>
+      <p:sp>
+        <p:nvSpPr>
+          <p:cNvPr id="6" name="Fußzeilenplatzhalter 5"/>
+          <p:cNvSpPr>
+            <a:spLocks noGrp="1"/>
+          </p:cNvSpPr>
+          <p:nvPr>
+            <p:ph type="ftr" sz="quarter" idx="4"/>
+          </p:nvPr>
+        </p:nvSpPr>
+        <p:spPr>
+          <a:xfrm>
+            <a:off x="0" y="8685213"/>
+            <a:ext cx="2971800" cy="457200"/>
+          </a:xfrm>
+          <a:prstGeom prst="rect">
+            <a:avLst/>
+          </a:prstGeom>
+        </p:spPr>
+        <p:txBody>
+          <a:bodyPr vert="horz" lIns="91440" tIns="45720" rIns="91440" bIns="45720" rtlCol="0" anchor="b"/>
+          <a:lstStyle>
+            <a:lvl1pPr algn="l">
+              <a:defRPr sz="1200"/>
+            </a:lvl1pPr>
+          </a:lstStyle>
+          <a:p>
+            <a:endParaRPr lang="de-CH"/>
+          </a:p>
+        </p:txBody>
+      </p:sp>
+      <p:sp>
+        <p:nvSpPr>
+          <p:cNvPr id="7" name="Foliennummernplatzhalter 6"/>
+          <p:cNvSpPr>
+            <a:spLocks noGrp="1"/>
+          </p:cNvSpPr>
+          <p:nvPr>
+            <p:ph type="sldNum" sz="quarter" idx="5"/>
+          </p:nvPr>
+        </p:nvSpPr>
+        <p:spPr>
+          <a:xfrm>
+            <a:off x="3884613" y="8685213"/>
+            <a:ext cx="2971800" cy="457200"/>
+          </a:xfrm>
+          <a:prstGeom prst="rect">
+            <a:avLst/>
+          </a:prstGeom>
+        </p:spPr>
+        <p:txBody>
+          <a:bodyPr vert="horz" lIns="91440" tIns="45720" rIns="91440" bIns="45720" rtlCol="0" anchor="b"/>
+          <a:lstStyle>
+            <a:lvl1pPr algn="r">
+              <a:defRPr sz="1200"/>
+            </a:lvl1pPr>
+          </a:lstStyle>
+          <a:p>
+            <a:fld id="{A3D55E34-74BD-467A-B430-0BFC03FCF4E8}" type="slidenum">
+              <a:rPr lang="de-CH" smtClean="0"/>
+              <a:t>‹Nr.›</a:t>
+            </a:fld>
+            <a:endParaRPr lang="de-CH"/>
+          </a:p>
+        </p:txBody>
+      </p:sp>
+    </p:spTree>
+    <p:extLst>
+      <p:ext uri="{BB962C8B-B14F-4D97-AF65-F5344CB8AC3E}">
+        <p14:creationId xmlns:p14="http://schemas.microsoft.com/office/powerpoint/2010/main" val="1992946754"/>
+      </p:ext>
+    </p:extLst>
+  </p:cSld>
+  <p:clrMap bg1="lt1" tx1="dk1" bg2="lt2" tx2="dk2" accent1="accent1" accent2="accent2" accent3="accent3" accent4="accent4" accent5="accent5" accent6="accent6" hlink="hlink" folHlink="folHlink"/>
+  <p:notesStyle>
+    <a:lvl1pPr marL="0" algn="l" defTabSz="914400" rtl="0" eaLnBrk="1" latinLnBrk="0" hangingPunct="1">
+      <a:defRPr sz="1200" kern="1200">
+        <a:solidFill>
+          <a:schemeClr val="tx1"/>
+        </a:solidFill>
+        <a:latin typeface="+mn-lt"/>
+        <a:ea typeface="+mn-ea"/>
+        <a:cs typeface="+mn-cs"/>
+      </a:defRPr>
+    </a:lvl1pPr>
+    <a:lvl2pPr marL="457200" algn="l" defTabSz="914400" rtl="0" eaLnBrk="1" latinLnBrk="0" hangingPunct="1">
+      <a:defRPr sz="1200" kern="1200">
+        <a:solidFill>
+          <a:schemeClr val="tx1"/>
+        </a:solidFill>
+        <a:latin typeface="+mn-lt"/>
+        <a:ea typeface="+mn-ea"/>
+        <a:cs typeface="+mn-cs"/>
+      </a:defRPr>
+    </a:lvl2pPr>
+    <a:lvl3pPr marL="914400" algn="l" defTabSz="914400" rtl="0" eaLnBrk="1" latinLnBrk="0" hangingPunct="1">
+      <a:defRPr sz="1200" kern="1200">
+        <a:solidFill>
+          <a:schemeClr val="tx1"/>
+        </a:solidFill>
+        <a:latin typeface="+mn-lt"/>
+        <a:ea typeface="+mn-ea"/>
+        <a:cs typeface="+mn-cs"/>
+      </a:defRPr>
+    </a:lvl3pPr>
+    <a:lvl4pPr marL="1371600" algn="l" defTabSz="914400" rtl="0" eaLnBrk="1" latinLnBrk="0" hangingPunct="1">
+      <a:defRPr sz="1200" kern="1200">
+        <a:solidFill>
+          <a:schemeClr val="tx1"/>
+        </a:solidFill>
+        <a:latin typeface="+mn-lt"/>
+        <a:ea typeface="+mn-ea"/>
+        <a:cs typeface="+mn-cs"/>
+      </a:defRPr>
+    </a:lvl4pPr>
+    <a:lvl5pPr marL="1828800" algn="l" defTabSz="914400" rtl="0" eaLnBrk="1" latinLnBrk="0" hangingPunct="1">
+      <a:defRPr sz="1200" kern="1200">
+        <a:solidFill>
+          <a:schemeClr val="tx1"/>
+        </a:solidFill>
+        <a:latin typeface="+mn-lt"/>
+        <a:ea typeface="+mn-ea"/>
+        <a:cs typeface="+mn-cs"/>
+      </a:defRPr>
+    </a:lvl5pPr>
+    <a:lvl6pPr marL="2286000" algn="l" defTabSz="914400" rtl="0" eaLnBrk="1" latinLnBrk="0" hangingPunct="1">
+      <a:defRPr sz="1200" kern="1200">
+        <a:solidFill>
+          <a:schemeClr val="tx1"/>
+        </a:solidFill>
+        <a:latin typeface="+mn-lt"/>
+        <a:ea typeface="+mn-ea"/>
+        <a:cs typeface="+mn-cs"/>
+      </a:defRPr>
+    </a:lvl6pPr>
+    <a:lvl7pPr marL="2743200" algn="l" defTabSz="914400" rtl="0" eaLnBrk="1" latinLnBrk="0" hangingPunct="1">
+      <a:defRPr sz="1200" kern="1200">
+        <a:solidFill>
+          <a:schemeClr val="tx1"/>
+        </a:solidFill>
+        <a:latin typeface="+mn-lt"/>
+        <a:ea typeface="+mn-ea"/>
+        <a:cs typeface="+mn-cs"/>
+      </a:defRPr>
+    </a:lvl7pPr>
+    <a:lvl8pPr marL="3200400" algn="l" defTabSz="914400" rtl="0" eaLnBrk="1" latinLnBrk="0" hangingPunct="1">
+      <a:defRPr sz="1200" kern="1200">
+        <a:solidFill>
+          <a:schemeClr val="tx1"/>
+        </a:solidFill>
+        <a:latin typeface="+mn-lt"/>
+        <a:ea typeface="+mn-ea"/>
+        <a:cs typeface="+mn-cs"/>
+      </a:defRPr>
+    </a:lvl8pPr>
+    <a:lvl9pPr marL="3657600" algn="l" defTabSz="914400" rtl="0" eaLnBrk="1" latinLnBrk="0" hangingPunct="1">
+      <a:defRPr sz="1200" kern="1200">
+        <a:solidFill>
+          <a:schemeClr val="tx1"/>
+        </a:solidFill>
+        <a:latin typeface="+mn-lt"/>
+        <a:ea typeface="+mn-ea"/>
+        <a:cs typeface="+mn-cs"/>
+      </a:defRPr>
+    </a:lvl9pPr>
+  </p:notesStyle>
+</p:notesMaster>
+</file>
+
+<file path=ppt/notesSlides/notesSlide1.xml><?xml version="1.0" encoding="utf-8"?>
+<p:notes xmlns:a="http://schemas.openxmlformats.org/drawingml/2006/main" xmlns:r="http://schemas.openxmlformats.org/officeDocument/2006/relationships" xmlns:p="http://schemas.openxmlformats.org/presentationml/2006/main">
+  <p:cSld>
+    <p:spTree>
+      <p:nvGrpSpPr>
+        <p:cNvPr id="1" name=""/>
+        <p:cNvGrpSpPr/>
+        <p:nvPr/>
+      </p:nvGrpSpPr>
+      <p:grpSpPr>
+        <a:xfrm>
+          <a:off x="0" y="0"/>
+          <a:ext cx="0" cy="0"/>
+          <a:chOff x="0" y="0"/>
+          <a:chExt cx="0" cy="0"/>
+        </a:xfrm>
+      </p:grpSpPr>
+      <p:sp>
+        <p:nvSpPr>
+          <p:cNvPr id="2" name="Folienbildplatzhalter 1"/>
+          <p:cNvSpPr>
+            <a:spLocks noGrp="1" noRot="1" noChangeAspect="1"/>
+          </p:cNvSpPr>
+          <p:nvPr>
+            <p:ph type="sldImg"/>
+          </p:nvPr>
+        </p:nvSpPr>
+        <p:spPr/>
+      </p:sp>
+      <p:sp>
+        <p:nvSpPr>
+          <p:cNvPr id="3" name="Notizenplatzhalter 2"/>
+          <p:cNvSpPr>
+            <a:spLocks noGrp="1"/>
+          </p:cNvSpPr>
+          <p:nvPr>
+            <p:ph type="body" idx="1"/>
+          </p:nvPr>
+        </p:nvSpPr>
+        <p:spPr/>
+        <p:txBody>
+          <a:bodyPr/>
+          <a:lstStyle/>
+          <a:p>
+            <a:r>
+              <a:rPr lang="en-US" dirty="0" err="1" smtClean="0"/>
+              <a:t>hofer</a:t>
+            </a:r>
+            <a:endParaRPr lang="de-CH" dirty="0"/>
+          </a:p>
+        </p:txBody>
+      </p:sp>
+      <p:sp>
+        <p:nvSpPr>
+          <p:cNvPr id="4" name="Foliennummernplatzhalter 3"/>
+          <p:cNvSpPr>
+            <a:spLocks noGrp="1"/>
+          </p:cNvSpPr>
+          <p:nvPr>
+            <p:ph type="sldNum" sz="quarter" idx="10"/>
+          </p:nvPr>
+        </p:nvSpPr>
+        <p:spPr/>
+        <p:txBody>
+          <a:bodyPr/>
+          <a:lstStyle/>
+          <a:p>
+            <a:fld id="{A3D55E34-74BD-467A-B430-0BFC03FCF4E8}" type="slidenum">
+              <a:rPr lang="de-CH" smtClean="0"/>
+              <a:t>1</a:t>
+            </a:fld>
+            <a:endParaRPr lang="de-CH"/>
+          </a:p>
+        </p:txBody>
+      </p:sp>
+    </p:spTree>
+    <p:extLst>
+      <p:ext uri="{BB962C8B-B14F-4D97-AF65-F5344CB8AC3E}">
+        <p14:creationId xmlns:p14="http://schemas.microsoft.com/office/powerpoint/2010/main" val="3282649372"/>
+      </p:ext>
+    </p:extLst>
+  </p:cSld>
+  <p:clrMapOvr>
+    <a:masterClrMapping/>
+  </p:clrMapOvr>
+</p:notes>
+</file>
+
+<file path=ppt/notesSlides/notesSlide10.xml><?xml version="1.0" encoding="utf-8"?>
+<p:notes xmlns:a="http://schemas.openxmlformats.org/drawingml/2006/main" xmlns:r="http://schemas.openxmlformats.org/officeDocument/2006/relationships" xmlns:p="http://schemas.openxmlformats.org/presentationml/2006/main">
+  <p:cSld>
+    <p:spTree>
+      <p:nvGrpSpPr>
+        <p:cNvPr id="1" name=""/>
+        <p:cNvGrpSpPr/>
+        <p:nvPr/>
+      </p:nvGrpSpPr>
+      <p:grpSpPr>
+        <a:xfrm>
+          <a:off x="0" y="0"/>
+          <a:ext cx="0" cy="0"/>
+          <a:chOff x="0" y="0"/>
+          <a:chExt cx="0" cy="0"/>
+        </a:xfrm>
+      </p:grpSpPr>
+      <p:sp>
+        <p:nvSpPr>
+          <p:cNvPr id="2" name="Folienbildplatzhalter 1"/>
+          <p:cNvSpPr>
+            <a:spLocks noGrp="1" noRot="1" noChangeAspect="1"/>
+          </p:cNvSpPr>
+          <p:nvPr>
+            <p:ph type="sldImg"/>
+          </p:nvPr>
+        </p:nvSpPr>
+        <p:spPr/>
+      </p:sp>
+      <p:sp>
+        <p:nvSpPr>
+          <p:cNvPr id="3" name="Notizenplatzhalter 2"/>
+          <p:cNvSpPr>
+            <a:spLocks noGrp="1"/>
+          </p:cNvSpPr>
+          <p:nvPr>
+            <p:ph type="body" idx="1"/>
+          </p:nvPr>
+        </p:nvSpPr>
+        <p:spPr/>
+        <p:txBody>
+          <a:bodyPr/>
+          <a:lstStyle/>
+          <a:p>
+            <a:pPr marL="0" marR="0" indent="0" algn="l" defTabSz="914400" rtl="0" eaLnBrk="1" fontAlgn="auto" latinLnBrk="0" hangingPunct="1">
+              <a:lnSpc>
+                <a:spcPct val="100000"/>
+              </a:lnSpc>
+              <a:spcBef>
+                <a:spcPts val="0"/>
+              </a:spcBef>
+              <a:spcAft>
+                <a:spcPts val="0"/>
+              </a:spcAft>
+              <a:buClrTx/>
+              <a:buSzTx/>
+              <a:buFontTx/>
+              <a:buNone/>
+              <a:tabLst/>
+              <a:defRPr/>
+            </a:pPr>
+            <a:r>
+              <a:rPr lang="en-US" dirty="0" err="1" smtClean="0"/>
+              <a:t>loosli</a:t>
+            </a:r>
+            <a:endParaRPr lang="de-CH" dirty="0" smtClean="0"/>
+          </a:p>
+          <a:p>
+            <a:endParaRPr lang="de-CH" dirty="0"/>
+          </a:p>
+        </p:txBody>
+      </p:sp>
+      <p:sp>
+        <p:nvSpPr>
+          <p:cNvPr id="4" name="Foliennummernplatzhalter 3"/>
+          <p:cNvSpPr>
+            <a:spLocks noGrp="1"/>
+          </p:cNvSpPr>
+          <p:nvPr>
+            <p:ph type="sldNum" sz="quarter" idx="10"/>
+          </p:nvPr>
+        </p:nvSpPr>
+        <p:spPr/>
+        <p:txBody>
+          <a:bodyPr/>
+          <a:lstStyle/>
+          <a:p>
+            <a:fld id="{A3D55E34-74BD-467A-B430-0BFC03FCF4E8}" type="slidenum">
+              <a:rPr lang="de-CH" smtClean="0"/>
+              <a:t>11</a:t>
+            </a:fld>
+            <a:endParaRPr lang="de-CH"/>
+          </a:p>
+        </p:txBody>
+      </p:sp>
+    </p:spTree>
+    <p:extLst>
+      <p:ext uri="{BB962C8B-B14F-4D97-AF65-F5344CB8AC3E}">
+        <p14:creationId xmlns:p14="http://schemas.microsoft.com/office/powerpoint/2010/main" val="3233369005"/>
+      </p:ext>
+    </p:extLst>
+  </p:cSld>
+  <p:clrMapOvr>
+    <a:masterClrMapping/>
+  </p:clrMapOvr>
+</p:notes>
+</file>
+
+<file path=ppt/notesSlides/notesSlide11.xml><?xml version="1.0" encoding="utf-8"?>
+<p:notes xmlns:a="http://schemas.openxmlformats.org/drawingml/2006/main" xmlns:r="http://schemas.openxmlformats.org/officeDocument/2006/relationships" xmlns:p="http://schemas.openxmlformats.org/presentationml/2006/main">
+  <p:cSld>
+    <p:spTree>
+      <p:nvGrpSpPr>
+        <p:cNvPr id="1" name=""/>
+        <p:cNvGrpSpPr/>
+        <p:nvPr/>
+      </p:nvGrpSpPr>
+      <p:grpSpPr>
+        <a:xfrm>
+          <a:off x="0" y="0"/>
+          <a:ext cx="0" cy="0"/>
+          <a:chOff x="0" y="0"/>
+          <a:chExt cx="0" cy="0"/>
+        </a:xfrm>
+      </p:grpSpPr>
+      <p:sp>
+        <p:nvSpPr>
+          <p:cNvPr id="2" name="Folienbildplatzhalter 1"/>
+          <p:cNvSpPr>
+            <a:spLocks noGrp="1" noRot="1" noChangeAspect="1"/>
+          </p:cNvSpPr>
+          <p:nvPr>
+            <p:ph type="sldImg"/>
+          </p:nvPr>
+        </p:nvSpPr>
+        <p:spPr/>
+      </p:sp>
+      <p:sp>
+        <p:nvSpPr>
+          <p:cNvPr id="3" name="Notizenplatzhalter 2"/>
+          <p:cNvSpPr>
+            <a:spLocks noGrp="1"/>
+          </p:cNvSpPr>
+          <p:nvPr>
+            <p:ph type="body" idx="1"/>
+          </p:nvPr>
+        </p:nvSpPr>
+        <p:spPr/>
+        <p:txBody>
+          <a:bodyPr/>
+          <a:lstStyle/>
+          <a:p>
+            <a:r>
+              <a:rPr lang="en-US" dirty="0" err="1" smtClean="0"/>
+              <a:t>schüpbach</a:t>
+            </a:r>
+            <a:endParaRPr lang="de-CH" dirty="0"/>
+          </a:p>
+        </p:txBody>
+      </p:sp>
+      <p:sp>
+        <p:nvSpPr>
+          <p:cNvPr id="4" name="Foliennummernplatzhalter 3"/>
+          <p:cNvSpPr>
+            <a:spLocks noGrp="1"/>
+          </p:cNvSpPr>
+          <p:nvPr>
+            <p:ph type="sldNum" sz="quarter" idx="10"/>
+          </p:nvPr>
+        </p:nvSpPr>
+        <p:spPr/>
+        <p:txBody>
+          <a:bodyPr/>
+          <a:lstStyle/>
+          <a:p>
+            <a:fld id="{A3D55E34-74BD-467A-B430-0BFC03FCF4E8}" type="slidenum">
+              <a:rPr lang="de-CH" smtClean="0"/>
+              <a:t>12</a:t>
+            </a:fld>
+            <a:endParaRPr lang="de-CH"/>
+          </a:p>
+        </p:txBody>
+      </p:sp>
+    </p:spTree>
+    <p:extLst>
+      <p:ext uri="{BB962C8B-B14F-4D97-AF65-F5344CB8AC3E}">
+        <p14:creationId xmlns:p14="http://schemas.microsoft.com/office/powerpoint/2010/main" val="3942766798"/>
+      </p:ext>
+    </p:extLst>
+  </p:cSld>
+  <p:clrMapOvr>
+    <a:masterClrMapping/>
+  </p:clrMapOvr>
+</p:notes>
+</file>
+
+<file path=ppt/notesSlides/notesSlide12.xml><?xml version="1.0" encoding="utf-8"?>
+<p:notes xmlns:a="http://schemas.openxmlformats.org/drawingml/2006/main" xmlns:r="http://schemas.openxmlformats.org/officeDocument/2006/relationships" xmlns:p="http://schemas.openxmlformats.org/presentationml/2006/main">
+  <p:cSld>
+    <p:spTree>
+      <p:nvGrpSpPr>
+        <p:cNvPr id="1" name=""/>
+        <p:cNvGrpSpPr/>
+        <p:nvPr/>
+      </p:nvGrpSpPr>
+      <p:grpSpPr>
+        <a:xfrm>
+          <a:off x="0" y="0"/>
+          <a:ext cx="0" cy="0"/>
+          <a:chOff x="0" y="0"/>
+          <a:chExt cx="0" cy="0"/>
+        </a:xfrm>
+      </p:grpSpPr>
+      <p:sp>
+        <p:nvSpPr>
+          <p:cNvPr id="2" name="Folienbildplatzhalter 1"/>
+          <p:cNvSpPr>
+            <a:spLocks noGrp="1" noRot="1" noChangeAspect="1"/>
+          </p:cNvSpPr>
+          <p:nvPr>
+            <p:ph type="sldImg"/>
+          </p:nvPr>
+        </p:nvSpPr>
+        <p:spPr/>
+      </p:sp>
+      <p:sp>
+        <p:nvSpPr>
+          <p:cNvPr id="3" name="Notizenplatzhalter 2"/>
+          <p:cNvSpPr>
+            <a:spLocks noGrp="1"/>
+          </p:cNvSpPr>
+          <p:nvPr>
+            <p:ph type="body" idx="1"/>
+          </p:nvPr>
+        </p:nvSpPr>
+        <p:spPr/>
+        <p:txBody>
+          <a:bodyPr/>
+          <a:lstStyle/>
+          <a:p>
+            <a:r>
+              <a:rPr lang="en-US" dirty="0" err="1" smtClean="0"/>
+              <a:t>schüpbach</a:t>
+            </a:r>
+            <a:endParaRPr lang="de-CH" dirty="0"/>
+          </a:p>
+        </p:txBody>
+      </p:sp>
+      <p:sp>
+        <p:nvSpPr>
+          <p:cNvPr id="4" name="Foliennummernplatzhalter 3"/>
+          <p:cNvSpPr>
+            <a:spLocks noGrp="1"/>
+          </p:cNvSpPr>
+          <p:nvPr>
+            <p:ph type="sldNum" sz="quarter" idx="10"/>
+          </p:nvPr>
+        </p:nvSpPr>
+        <p:spPr/>
+        <p:txBody>
+          <a:bodyPr/>
+          <a:lstStyle/>
+          <a:p>
+            <a:fld id="{A3D55E34-74BD-467A-B430-0BFC03FCF4E8}" type="slidenum">
+              <a:rPr lang="de-CH" smtClean="0"/>
+              <a:t>13</a:t>
+            </a:fld>
+            <a:endParaRPr lang="de-CH"/>
+          </a:p>
+        </p:txBody>
+      </p:sp>
+    </p:spTree>
+    <p:extLst>
+      <p:ext uri="{BB962C8B-B14F-4D97-AF65-F5344CB8AC3E}">
+        <p14:creationId xmlns:p14="http://schemas.microsoft.com/office/powerpoint/2010/main" val="1475498309"/>
+      </p:ext>
+    </p:extLst>
+  </p:cSld>
+  <p:clrMapOvr>
+    <a:masterClrMapping/>
+  </p:clrMapOvr>
+</p:notes>
+</file>
+
+<file path=ppt/notesSlides/notesSlide13.xml><?xml version="1.0" encoding="utf-8"?>
+<p:notes xmlns:a="http://schemas.openxmlformats.org/drawingml/2006/main" xmlns:r="http://schemas.openxmlformats.org/officeDocument/2006/relationships" xmlns:p="http://schemas.openxmlformats.org/presentationml/2006/main">
+  <p:cSld>
+    <p:spTree>
+      <p:nvGrpSpPr>
+        <p:cNvPr id="1" name=""/>
+        <p:cNvGrpSpPr/>
+        <p:nvPr/>
+      </p:nvGrpSpPr>
+      <p:grpSpPr>
+        <a:xfrm>
+          <a:off x="0" y="0"/>
+          <a:ext cx="0" cy="0"/>
+          <a:chOff x="0" y="0"/>
+          <a:chExt cx="0" cy="0"/>
+        </a:xfrm>
+      </p:grpSpPr>
+      <p:sp>
+        <p:nvSpPr>
+          <p:cNvPr id="2" name="Folienbildplatzhalter 1"/>
+          <p:cNvSpPr>
+            <a:spLocks noGrp="1" noRot="1" noChangeAspect="1"/>
+          </p:cNvSpPr>
+          <p:nvPr>
+            <p:ph type="sldImg"/>
+          </p:nvPr>
+        </p:nvSpPr>
+        <p:spPr/>
+      </p:sp>
+      <p:sp>
+        <p:nvSpPr>
+          <p:cNvPr id="3" name="Notizenplatzhalter 2"/>
+          <p:cNvSpPr>
+            <a:spLocks noGrp="1"/>
+          </p:cNvSpPr>
+          <p:nvPr>
+            <p:ph type="body" idx="1"/>
+          </p:nvPr>
+        </p:nvSpPr>
+        <p:spPr/>
+        <p:txBody>
+          <a:bodyPr/>
+          <a:lstStyle/>
+          <a:p>
+            <a:r>
+              <a:rPr lang="en-US" dirty="0" err="1" smtClean="0"/>
+              <a:t>schüpbach</a:t>
+            </a:r>
+            <a:endParaRPr lang="de-CH" dirty="0"/>
+          </a:p>
+        </p:txBody>
+      </p:sp>
+      <p:sp>
+        <p:nvSpPr>
+          <p:cNvPr id="4" name="Foliennummernplatzhalter 3"/>
+          <p:cNvSpPr>
+            <a:spLocks noGrp="1"/>
+          </p:cNvSpPr>
+          <p:nvPr>
+            <p:ph type="sldNum" sz="quarter" idx="10"/>
+          </p:nvPr>
+        </p:nvSpPr>
+        <p:spPr/>
+        <p:txBody>
+          <a:bodyPr/>
+          <a:lstStyle/>
+          <a:p>
+            <a:fld id="{A3D55E34-74BD-467A-B430-0BFC03FCF4E8}" type="slidenum">
+              <a:rPr lang="de-CH" smtClean="0"/>
+              <a:t>14</a:t>
+            </a:fld>
+            <a:endParaRPr lang="de-CH"/>
+          </a:p>
+        </p:txBody>
+      </p:sp>
+    </p:spTree>
+    <p:extLst>
+      <p:ext uri="{BB962C8B-B14F-4D97-AF65-F5344CB8AC3E}">
+        <p14:creationId xmlns:p14="http://schemas.microsoft.com/office/powerpoint/2010/main" val="2395222517"/>
+      </p:ext>
+    </p:extLst>
+  </p:cSld>
+  <p:clrMapOvr>
+    <a:masterClrMapping/>
+  </p:clrMapOvr>
+</p:notes>
+</file>
+
+<file path=ppt/notesSlides/notesSlide14.xml><?xml version="1.0" encoding="utf-8"?>
+<p:notes xmlns:a="http://schemas.openxmlformats.org/drawingml/2006/main" xmlns:r="http://schemas.openxmlformats.org/officeDocument/2006/relationships" xmlns:p="http://schemas.openxmlformats.org/presentationml/2006/main">
+  <p:cSld>
+    <p:spTree>
+      <p:nvGrpSpPr>
+        <p:cNvPr id="1" name=""/>
+        <p:cNvGrpSpPr/>
+        <p:nvPr/>
+      </p:nvGrpSpPr>
+      <p:grpSpPr>
+        <a:xfrm>
+          <a:off x="0" y="0"/>
+          <a:ext cx="0" cy="0"/>
+          <a:chOff x="0" y="0"/>
+          <a:chExt cx="0" cy="0"/>
+        </a:xfrm>
+      </p:grpSpPr>
+      <p:sp>
+        <p:nvSpPr>
+          <p:cNvPr id="2" name="Folienbildplatzhalter 1"/>
+          <p:cNvSpPr>
+            <a:spLocks noGrp="1" noRot="1" noChangeAspect="1"/>
+          </p:cNvSpPr>
+          <p:nvPr>
+            <p:ph type="sldImg"/>
+          </p:nvPr>
+        </p:nvSpPr>
+        <p:spPr/>
+      </p:sp>
+      <p:sp>
+        <p:nvSpPr>
+          <p:cNvPr id="3" name="Notizenplatzhalter 2"/>
+          <p:cNvSpPr>
+            <a:spLocks noGrp="1"/>
+          </p:cNvSpPr>
+          <p:nvPr>
+            <p:ph type="body" idx="1"/>
+          </p:nvPr>
+        </p:nvSpPr>
+        <p:spPr/>
+        <p:txBody>
+          <a:bodyPr/>
+          <a:lstStyle/>
+          <a:p>
+            <a:r>
+              <a:rPr lang="en-US" dirty="0" err="1" smtClean="0"/>
+              <a:t>loosli</a:t>
+            </a:r>
+            <a:endParaRPr lang="de-CH" dirty="0"/>
+          </a:p>
+        </p:txBody>
+      </p:sp>
+      <p:sp>
+        <p:nvSpPr>
+          <p:cNvPr id="4" name="Foliennummernplatzhalter 3"/>
+          <p:cNvSpPr>
+            <a:spLocks noGrp="1"/>
+          </p:cNvSpPr>
+          <p:nvPr>
+            <p:ph type="sldNum" sz="quarter" idx="10"/>
+          </p:nvPr>
+        </p:nvSpPr>
+        <p:spPr/>
+        <p:txBody>
+          <a:bodyPr/>
+          <a:lstStyle/>
+          <a:p>
+            <a:fld id="{A3D55E34-74BD-467A-B430-0BFC03FCF4E8}" type="slidenum">
+              <a:rPr lang="de-CH" smtClean="0"/>
+              <a:t>15</a:t>
+            </a:fld>
+            <a:endParaRPr lang="de-CH"/>
+          </a:p>
+        </p:txBody>
+      </p:sp>
+    </p:spTree>
+    <p:extLst>
+      <p:ext uri="{BB962C8B-B14F-4D97-AF65-F5344CB8AC3E}">
+        <p14:creationId xmlns:p14="http://schemas.microsoft.com/office/powerpoint/2010/main" val="3725125277"/>
+      </p:ext>
+    </p:extLst>
+  </p:cSld>
+  <p:clrMapOvr>
+    <a:masterClrMapping/>
+  </p:clrMapOvr>
+</p:notes>
+</file>
+
+<file path=ppt/notesSlides/notesSlide2.xml><?xml version="1.0" encoding="utf-8"?>
+<p:notes xmlns:a="http://schemas.openxmlformats.org/drawingml/2006/main" xmlns:r="http://schemas.openxmlformats.org/officeDocument/2006/relationships" xmlns:p="http://schemas.openxmlformats.org/presentationml/2006/main">
+  <p:cSld>
+    <p:spTree>
+      <p:nvGrpSpPr>
+        <p:cNvPr id="1" name=""/>
+        <p:cNvGrpSpPr/>
+        <p:nvPr/>
+      </p:nvGrpSpPr>
+      <p:grpSpPr>
+        <a:xfrm>
+          <a:off x="0" y="0"/>
+          <a:ext cx="0" cy="0"/>
+          <a:chOff x="0" y="0"/>
+          <a:chExt cx="0" cy="0"/>
+        </a:xfrm>
+      </p:grpSpPr>
+      <p:sp>
+        <p:nvSpPr>
+          <p:cNvPr id="2" name="Folienbildplatzhalter 1"/>
+          <p:cNvSpPr>
+            <a:spLocks noGrp="1" noRot="1" noChangeAspect="1"/>
+          </p:cNvSpPr>
+          <p:nvPr>
+            <p:ph type="sldImg"/>
+          </p:nvPr>
+        </p:nvSpPr>
+        <p:spPr/>
+      </p:sp>
+      <p:sp>
+        <p:nvSpPr>
+          <p:cNvPr id="3" name="Notizenplatzhalter 2"/>
+          <p:cNvSpPr>
+            <a:spLocks noGrp="1"/>
+          </p:cNvSpPr>
+          <p:nvPr>
+            <p:ph type="body" idx="1"/>
+          </p:nvPr>
+        </p:nvSpPr>
+        <p:spPr/>
+        <p:txBody>
+          <a:bodyPr/>
+          <a:lstStyle/>
+          <a:p>
+            <a:r>
+              <a:rPr lang="en-US" dirty="0" err="1" smtClean="0"/>
+              <a:t>hofer</a:t>
+            </a:r>
+            <a:endParaRPr lang="de-CH" dirty="0"/>
+          </a:p>
+        </p:txBody>
+      </p:sp>
+      <p:sp>
+        <p:nvSpPr>
+          <p:cNvPr id="4" name="Foliennummernplatzhalter 3"/>
+          <p:cNvSpPr>
+            <a:spLocks noGrp="1"/>
+          </p:cNvSpPr>
+          <p:nvPr>
+            <p:ph type="sldNum" sz="quarter" idx="10"/>
+          </p:nvPr>
+        </p:nvSpPr>
+        <p:spPr/>
+        <p:txBody>
+          <a:bodyPr/>
+          <a:lstStyle/>
+          <a:p>
+            <a:fld id="{A3D55E34-74BD-467A-B430-0BFC03FCF4E8}" type="slidenum">
+              <a:rPr lang="de-CH" smtClean="0"/>
+              <a:t>2</a:t>
+            </a:fld>
+            <a:endParaRPr lang="de-CH"/>
+          </a:p>
+        </p:txBody>
+      </p:sp>
+    </p:spTree>
+    <p:extLst>
+      <p:ext uri="{BB962C8B-B14F-4D97-AF65-F5344CB8AC3E}">
+        <p14:creationId xmlns:p14="http://schemas.microsoft.com/office/powerpoint/2010/main" val="501476139"/>
+      </p:ext>
+    </p:extLst>
+  </p:cSld>
+  <p:clrMapOvr>
+    <a:masterClrMapping/>
+  </p:clrMapOvr>
+</p:notes>
+</file>
+
+<file path=ppt/notesSlides/notesSlide3.xml><?xml version="1.0" encoding="utf-8"?>
+<p:notes xmlns:a="http://schemas.openxmlformats.org/drawingml/2006/main" xmlns:r="http://schemas.openxmlformats.org/officeDocument/2006/relationships" xmlns:p="http://schemas.openxmlformats.org/presentationml/2006/main">
+  <p:cSld>
+    <p:spTree>
+      <p:nvGrpSpPr>
+        <p:cNvPr id="1" name=""/>
+        <p:cNvGrpSpPr/>
+        <p:nvPr/>
+      </p:nvGrpSpPr>
+      <p:grpSpPr>
+        <a:xfrm>
+          <a:off x="0" y="0"/>
+          <a:ext cx="0" cy="0"/>
+          <a:chOff x="0" y="0"/>
+          <a:chExt cx="0" cy="0"/>
+        </a:xfrm>
+      </p:grpSpPr>
+      <p:sp>
+        <p:nvSpPr>
+          <p:cNvPr id="2" name="Folienbildplatzhalter 1"/>
+          <p:cNvSpPr>
+            <a:spLocks noGrp="1" noRot="1" noChangeAspect="1"/>
+          </p:cNvSpPr>
+          <p:nvPr>
+            <p:ph type="sldImg"/>
+          </p:nvPr>
+        </p:nvSpPr>
+        <p:spPr/>
+      </p:sp>
+      <p:sp>
+        <p:nvSpPr>
+          <p:cNvPr id="3" name="Notizenplatzhalter 2"/>
+          <p:cNvSpPr>
+            <a:spLocks noGrp="1"/>
+          </p:cNvSpPr>
+          <p:nvPr>
+            <p:ph type="body" idx="1"/>
+          </p:nvPr>
+        </p:nvSpPr>
+        <p:spPr/>
+        <p:txBody>
+          <a:bodyPr/>
+          <a:lstStyle/>
+          <a:p>
+            <a:r>
+              <a:rPr lang="en-US" dirty="0" err="1" smtClean="0"/>
+              <a:t>schüpbach</a:t>
+            </a:r>
+            <a:endParaRPr lang="de-CH" dirty="0"/>
+          </a:p>
+        </p:txBody>
+      </p:sp>
+      <p:sp>
+        <p:nvSpPr>
+          <p:cNvPr id="4" name="Foliennummernplatzhalter 3"/>
+          <p:cNvSpPr>
+            <a:spLocks noGrp="1"/>
+          </p:cNvSpPr>
+          <p:nvPr>
+            <p:ph type="sldNum" sz="quarter" idx="10"/>
+          </p:nvPr>
+        </p:nvSpPr>
+        <p:spPr/>
+        <p:txBody>
+          <a:bodyPr/>
+          <a:lstStyle/>
+          <a:p>
+            <a:fld id="{A3D55E34-74BD-467A-B430-0BFC03FCF4E8}" type="slidenum">
+              <a:rPr lang="de-CH" smtClean="0"/>
+              <a:t>3</a:t>
+            </a:fld>
+            <a:endParaRPr lang="de-CH"/>
+          </a:p>
+        </p:txBody>
+      </p:sp>
+    </p:spTree>
+    <p:extLst>
+      <p:ext uri="{BB962C8B-B14F-4D97-AF65-F5344CB8AC3E}">
+        <p14:creationId xmlns:p14="http://schemas.microsoft.com/office/powerpoint/2010/main" val="3565245298"/>
+      </p:ext>
+    </p:extLst>
+  </p:cSld>
+  <p:clrMapOvr>
+    <a:masterClrMapping/>
+  </p:clrMapOvr>
+</p:notes>
+</file>
+
+<file path=ppt/notesSlides/notesSlide4.xml><?xml version="1.0" encoding="utf-8"?>
+<p:notes xmlns:a="http://schemas.openxmlformats.org/drawingml/2006/main" xmlns:r="http://schemas.openxmlformats.org/officeDocument/2006/relationships" xmlns:p="http://schemas.openxmlformats.org/presentationml/2006/main">
+  <p:cSld>
+    <p:spTree>
+      <p:nvGrpSpPr>
+        <p:cNvPr id="1" name=""/>
+        <p:cNvGrpSpPr/>
+        <p:nvPr/>
+      </p:nvGrpSpPr>
+      <p:grpSpPr>
+        <a:xfrm>
+          <a:off x="0" y="0"/>
+          <a:ext cx="0" cy="0"/>
+          <a:chOff x="0" y="0"/>
+          <a:chExt cx="0" cy="0"/>
+        </a:xfrm>
+      </p:grpSpPr>
+      <p:sp>
+        <p:nvSpPr>
+          <p:cNvPr id="2" name="Folienbildplatzhalter 1"/>
+          <p:cNvSpPr>
+            <a:spLocks noGrp="1" noRot="1" noChangeAspect="1"/>
+          </p:cNvSpPr>
+          <p:nvPr>
+            <p:ph type="sldImg"/>
+          </p:nvPr>
+        </p:nvSpPr>
+        <p:spPr/>
+      </p:sp>
+      <p:sp>
+        <p:nvSpPr>
+          <p:cNvPr id="3" name="Notizenplatzhalter 2"/>
+          <p:cNvSpPr>
+            <a:spLocks noGrp="1"/>
+          </p:cNvSpPr>
+          <p:nvPr>
+            <p:ph type="body" idx="1"/>
+          </p:nvPr>
+        </p:nvSpPr>
+        <p:spPr/>
+        <p:txBody>
+          <a:bodyPr/>
+          <a:lstStyle/>
+          <a:p>
+            <a:r>
+              <a:rPr lang="en-US" dirty="0" err="1" smtClean="0"/>
+              <a:t>hofer</a:t>
+            </a:r>
+            <a:endParaRPr lang="de-CH" dirty="0"/>
+          </a:p>
+        </p:txBody>
+      </p:sp>
+      <p:sp>
+        <p:nvSpPr>
+          <p:cNvPr id="4" name="Foliennummernplatzhalter 3"/>
+          <p:cNvSpPr>
+            <a:spLocks noGrp="1"/>
+          </p:cNvSpPr>
+          <p:nvPr>
+            <p:ph type="sldNum" sz="quarter" idx="10"/>
+          </p:nvPr>
+        </p:nvSpPr>
+        <p:spPr/>
+        <p:txBody>
+          <a:bodyPr/>
+          <a:lstStyle/>
+          <a:p>
+            <a:fld id="{A3D55E34-74BD-467A-B430-0BFC03FCF4E8}" type="slidenum">
+              <a:rPr lang="de-CH" smtClean="0"/>
+              <a:t>4</a:t>
+            </a:fld>
+            <a:endParaRPr lang="de-CH"/>
+          </a:p>
+        </p:txBody>
+      </p:sp>
+    </p:spTree>
+    <p:extLst>
+      <p:ext uri="{BB962C8B-B14F-4D97-AF65-F5344CB8AC3E}">
+        <p14:creationId xmlns:p14="http://schemas.microsoft.com/office/powerpoint/2010/main" val="2103890121"/>
+      </p:ext>
+    </p:extLst>
+  </p:cSld>
+  <p:clrMapOvr>
+    <a:masterClrMapping/>
+  </p:clrMapOvr>
+</p:notes>
+</file>
+
+<file path=ppt/notesSlides/notesSlide5.xml><?xml version="1.0" encoding="utf-8"?>
+<p:notes xmlns:a="http://schemas.openxmlformats.org/drawingml/2006/main" xmlns:r="http://schemas.openxmlformats.org/officeDocument/2006/relationships" xmlns:p="http://schemas.openxmlformats.org/presentationml/2006/main">
+  <p:cSld>
+    <p:spTree>
+      <p:nvGrpSpPr>
+        <p:cNvPr id="1" name=""/>
+        <p:cNvGrpSpPr/>
+        <p:nvPr/>
+      </p:nvGrpSpPr>
+      <p:grpSpPr>
+        <a:xfrm>
+          <a:off x="0" y="0"/>
+          <a:ext cx="0" cy="0"/>
+          <a:chOff x="0" y="0"/>
+          <a:chExt cx="0" cy="0"/>
+        </a:xfrm>
+      </p:grpSpPr>
+      <p:sp>
+        <p:nvSpPr>
+          <p:cNvPr id="2" name="Folienbildplatzhalter 1"/>
+          <p:cNvSpPr>
+            <a:spLocks noGrp="1" noRot="1" noChangeAspect="1"/>
+          </p:cNvSpPr>
+          <p:nvPr>
+            <p:ph type="sldImg"/>
+          </p:nvPr>
+        </p:nvSpPr>
+        <p:spPr/>
+      </p:sp>
+      <p:sp>
+        <p:nvSpPr>
+          <p:cNvPr id="3" name="Notizenplatzhalter 2"/>
+          <p:cNvSpPr>
+            <a:spLocks noGrp="1"/>
+          </p:cNvSpPr>
+          <p:nvPr>
+            <p:ph type="body" idx="1"/>
+          </p:nvPr>
+        </p:nvSpPr>
+        <p:spPr/>
+        <p:txBody>
+          <a:bodyPr/>
+          <a:lstStyle/>
+          <a:p>
+            <a:r>
+              <a:rPr lang="en-US" dirty="0" err="1" smtClean="0"/>
+              <a:t>hofer</a:t>
+            </a:r>
+            <a:endParaRPr lang="de-CH" dirty="0"/>
+          </a:p>
+        </p:txBody>
+      </p:sp>
+      <p:sp>
+        <p:nvSpPr>
+          <p:cNvPr id="4" name="Foliennummernplatzhalter 3"/>
+          <p:cNvSpPr>
+            <a:spLocks noGrp="1"/>
+          </p:cNvSpPr>
+          <p:nvPr>
+            <p:ph type="sldNum" sz="quarter" idx="10"/>
+          </p:nvPr>
+        </p:nvSpPr>
+        <p:spPr/>
+        <p:txBody>
+          <a:bodyPr/>
+          <a:lstStyle/>
+          <a:p>
+            <a:fld id="{A3D55E34-74BD-467A-B430-0BFC03FCF4E8}" type="slidenum">
+              <a:rPr lang="de-CH" smtClean="0"/>
+              <a:t>5</a:t>
+            </a:fld>
+            <a:endParaRPr lang="de-CH"/>
+          </a:p>
+        </p:txBody>
+      </p:sp>
+    </p:spTree>
+    <p:extLst>
+      <p:ext uri="{BB962C8B-B14F-4D97-AF65-F5344CB8AC3E}">
+        <p14:creationId xmlns:p14="http://schemas.microsoft.com/office/powerpoint/2010/main" val="3056682677"/>
+      </p:ext>
+    </p:extLst>
+  </p:cSld>
+  <p:clrMapOvr>
+    <a:masterClrMapping/>
+  </p:clrMapOvr>
+</p:notes>
+</file>
+
+<file path=ppt/notesSlides/notesSlide6.xml><?xml version="1.0" encoding="utf-8"?>
+<p:notes xmlns:a="http://schemas.openxmlformats.org/drawingml/2006/main" xmlns:r="http://schemas.openxmlformats.org/officeDocument/2006/relationships" xmlns:p="http://schemas.openxmlformats.org/presentationml/2006/main">
+  <p:cSld>
+    <p:spTree>
+      <p:nvGrpSpPr>
+        <p:cNvPr id="1" name=""/>
+        <p:cNvGrpSpPr/>
+        <p:nvPr/>
+      </p:nvGrpSpPr>
+      <p:grpSpPr>
+        <a:xfrm>
+          <a:off x="0" y="0"/>
+          <a:ext cx="0" cy="0"/>
+          <a:chOff x="0" y="0"/>
+          <a:chExt cx="0" cy="0"/>
+        </a:xfrm>
+      </p:grpSpPr>
+      <p:sp>
+        <p:nvSpPr>
+          <p:cNvPr id="2" name="Folienbildplatzhalter 1"/>
+          <p:cNvSpPr>
+            <a:spLocks noGrp="1" noRot="1" noChangeAspect="1"/>
+          </p:cNvSpPr>
+          <p:nvPr>
+            <p:ph type="sldImg"/>
+          </p:nvPr>
+        </p:nvSpPr>
+        <p:spPr/>
+      </p:sp>
+      <p:sp>
+        <p:nvSpPr>
+          <p:cNvPr id="3" name="Notizenplatzhalter 2"/>
+          <p:cNvSpPr>
+            <a:spLocks noGrp="1"/>
+          </p:cNvSpPr>
+          <p:nvPr>
+            <p:ph type="body" idx="1"/>
+          </p:nvPr>
+        </p:nvSpPr>
+        <p:spPr/>
+        <p:txBody>
+          <a:bodyPr/>
+          <a:lstStyle/>
+          <a:p>
+            <a:r>
+              <a:rPr lang="en-US" dirty="0" err="1" smtClean="0"/>
+              <a:t>hofer</a:t>
+            </a:r>
+            <a:endParaRPr lang="de-CH" dirty="0"/>
+          </a:p>
+        </p:txBody>
+      </p:sp>
+      <p:sp>
+        <p:nvSpPr>
+          <p:cNvPr id="4" name="Foliennummernplatzhalter 3"/>
+          <p:cNvSpPr>
+            <a:spLocks noGrp="1"/>
+          </p:cNvSpPr>
+          <p:nvPr>
+            <p:ph type="sldNum" sz="quarter" idx="10"/>
+          </p:nvPr>
+        </p:nvSpPr>
+        <p:spPr/>
+        <p:txBody>
+          <a:bodyPr/>
+          <a:lstStyle/>
+          <a:p>
+            <a:fld id="{A3D55E34-74BD-467A-B430-0BFC03FCF4E8}" type="slidenum">
+              <a:rPr lang="de-CH" smtClean="0"/>
+              <a:t>6</a:t>
+            </a:fld>
+            <a:endParaRPr lang="de-CH"/>
+          </a:p>
+        </p:txBody>
+      </p:sp>
+    </p:spTree>
+    <p:extLst>
+      <p:ext uri="{BB962C8B-B14F-4D97-AF65-F5344CB8AC3E}">
+        <p14:creationId xmlns:p14="http://schemas.microsoft.com/office/powerpoint/2010/main" val="3324228984"/>
+      </p:ext>
+    </p:extLst>
+  </p:cSld>
+  <p:clrMapOvr>
+    <a:masterClrMapping/>
+  </p:clrMapOvr>
+</p:notes>
+</file>
+
+<file path=ppt/notesSlides/notesSlide7.xml><?xml version="1.0" encoding="utf-8"?>
+<p:notes xmlns:a="http://schemas.openxmlformats.org/drawingml/2006/main" xmlns:r="http://schemas.openxmlformats.org/officeDocument/2006/relationships" xmlns:p="http://schemas.openxmlformats.org/presentationml/2006/main">
+  <p:cSld>
+    <p:spTree>
+      <p:nvGrpSpPr>
+        <p:cNvPr id="1" name=""/>
+        <p:cNvGrpSpPr/>
+        <p:nvPr/>
+      </p:nvGrpSpPr>
+      <p:grpSpPr>
+        <a:xfrm>
+          <a:off x="0" y="0"/>
+          <a:ext cx="0" cy="0"/>
+          <a:chOff x="0" y="0"/>
+          <a:chExt cx="0" cy="0"/>
+        </a:xfrm>
+      </p:grpSpPr>
+      <p:sp>
+        <p:nvSpPr>
+          <p:cNvPr id="2" name="Folienbildplatzhalter 1"/>
+          <p:cNvSpPr>
+            <a:spLocks noGrp="1" noRot="1" noChangeAspect="1"/>
+          </p:cNvSpPr>
+          <p:nvPr>
+            <p:ph type="sldImg"/>
+          </p:nvPr>
+        </p:nvSpPr>
+        <p:spPr/>
+      </p:sp>
+      <p:sp>
+        <p:nvSpPr>
+          <p:cNvPr id="3" name="Notizenplatzhalter 2"/>
+          <p:cNvSpPr>
+            <a:spLocks noGrp="1"/>
+          </p:cNvSpPr>
+          <p:nvPr>
+            <p:ph type="body" idx="1"/>
+          </p:nvPr>
+        </p:nvSpPr>
+        <p:spPr/>
+        <p:txBody>
+          <a:bodyPr/>
+          <a:lstStyle/>
+          <a:p>
+            <a:r>
+              <a:rPr lang="en-US" dirty="0" err="1" smtClean="0"/>
+              <a:t>loosli</a:t>
+            </a:r>
+            <a:endParaRPr lang="de-CH" dirty="0"/>
+          </a:p>
+        </p:txBody>
+      </p:sp>
+      <p:sp>
+        <p:nvSpPr>
+          <p:cNvPr id="4" name="Foliennummernplatzhalter 3"/>
+          <p:cNvSpPr>
+            <a:spLocks noGrp="1"/>
+          </p:cNvSpPr>
+          <p:nvPr>
+            <p:ph type="sldNum" sz="quarter" idx="10"/>
+          </p:nvPr>
+        </p:nvSpPr>
+        <p:spPr/>
+        <p:txBody>
+          <a:bodyPr/>
+          <a:lstStyle/>
+          <a:p>
+            <a:fld id="{A3D55E34-74BD-467A-B430-0BFC03FCF4E8}" type="slidenum">
+              <a:rPr lang="de-CH" smtClean="0"/>
+              <a:t>8</a:t>
+            </a:fld>
+            <a:endParaRPr lang="de-CH"/>
+          </a:p>
+        </p:txBody>
+      </p:sp>
+    </p:spTree>
+    <p:extLst>
+      <p:ext uri="{BB962C8B-B14F-4D97-AF65-F5344CB8AC3E}">
+        <p14:creationId xmlns:p14="http://schemas.microsoft.com/office/powerpoint/2010/main" val="3224180674"/>
+      </p:ext>
+    </p:extLst>
+  </p:cSld>
+  <p:clrMapOvr>
+    <a:masterClrMapping/>
+  </p:clrMapOvr>
+</p:notes>
+</file>
+
+<file path=ppt/notesSlides/notesSlide8.xml><?xml version="1.0" encoding="utf-8"?>
+<p:notes xmlns:a="http://schemas.openxmlformats.org/drawingml/2006/main" xmlns:r="http://schemas.openxmlformats.org/officeDocument/2006/relationships" xmlns:p="http://schemas.openxmlformats.org/presentationml/2006/main">
+  <p:cSld>
+    <p:spTree>
+      <p:nvGrpSpPr>
+        <p:cNvPr id="1" name=""/>
+        <p:cNvGrpSpPr/>
+        <p:nvPr/>
+      </p:nvGrpSpPr>
+      <p:grpSpPr>
+        <a:xfrm>
+          <a:off x="0" y="0"/>
+          <a:ext cx="0" cy="0"/>
+          <a:chOff x="0" y="0"/>
+          <a:chExt cx="0" cy="0"/>
+        </a:xfrm>
+      </p:grpSpPr>
+      <p:sp>
+        <p:nvSpPr>
+          <p:cNvPr id="2" name="Folienbildplatzhalter 1"/>
+          <p:cNvSpPr>
+            <a:spLocks noGrp="1" noRot="1" noChangeAspect="1"/>
+          </p:cNvSpPr>
+          <p:nvPr>
+            <p:ph type="sldImg"/>
+          </p:nvPr>
+        </p:nvSpPr>
+        <p:spPr/>
+      </p:sp>
+      <p:sp>
+        <p:nvSpPr>
+          <p:cNvPr id="3" name="Notizenplatzhalter 2"/>
+          <p:cNvSpPr>
+            <a:spLocks noGrp="1"/>
+          </p:cNvSpPr>
+          <p:nvPr>
+            <p:ph type="body" idx="1"/>
+          </p:nvPr>
+        </p:nvSpPr>
+        <p:spPr/>
+        <p:txBody>
+          <a:bodyPr/>
+          <a:lstStyle/>
+          <a:p>
+            <a:r>
+              <a:rPr lang="en-US" dirty="0" err="1" smtClean="0"/>
+              <a:t>loosli</a:t>
+            </a:r>
+            <a:endParaRPr lang="de-CH" dirty="0"/>
+          </a:p>
+        </p:txBody>
+      </p:sp>
+      <p:sp>
+        <p:nvSpPr>
+          <p:cNvPr id="4" name="Foliennummernplatzhalter 3"/>
+          <p:cNvSpPr>
+            <a:spLocks noGrp="1"/>
+          </p:cNvSpPr>
+          <p:nvPr>
+            <p:ph type="sldNum" sz="quarter" idx="10"/>
+          </p:nvPr>
+        </p:nvSpPr>
+        <p:spPr/>
+        <p:txBody>
+          <a:bodyPr/>
+          <a:lstStyle/>
+          <a:p>
+            <a:fld id="{A3D55E34-74BD-467A-B430-0BFC03FCF4E8}" type="slidenum">
+              <a:rPr lang="de-CH" smtClean="0"/>
+              <a:t>9</a:t>
+            </a:fld>
+            <a:endParaRPr lang="de-CH"/>
+          </a:p>
+        </p:txBody>
+      </p:sp>
+    </p:spTree>
+    <p:extLst>
+      <p:ext uri="{BB962C8B-B14F-4D97-AF65-F5344CB8AC3E}">
+        <p14:creationId xmlns:p14="http://schemas.microsoft.com/office/powerpoint/2010/main" val="1856037093"/>
+      </p:ext>
+    </p:extLst>
+  </p:cSld>
+  <p:clrMapOvr>
+    <a:masterClrMapping/>
+  </p:clrMapOvr>
+</p:notes>
+</file>
+
+<file path=ppt/notesSlides/notesSlide9.xml><?xml version="1.0" encoding="utf-8"?>
+<p:notes xmlns:a="http://schemas.openxmlformats.org/drawingml/2006/main" xmlns:r="http://schemas.openxmlformats.org/officeDocument/2006/relationships" xmlns:p="http://schemas.openxmlformats.org/presentationml/2006/main">
+  <p:cSld>
+    <p:spTree>
+      <p:nvGrpSpPr>
+        <p:cNvPr id="1" name=""/>
+        <p:cNvGrpSpPr/>
+        <p:nvPr/>
+      </p:nvGrpSpPr>
+      <p:grpSpPr>
+        <a:xfrm>
+          <a:off x="0" y="0"/>
+          <a:ext cx="0" cy="0"/>
+          <a:chOff x="0" y="0"/>
+          <a:chExt cx="0" cy="0"/>
+        </a:xfrm>
+      </p:grpSpPr>
+      <p:sp>
+        <p:nvSpPr>
+          <p:cNvPr id="2" name="Folienbildplatzhalter 1"/>
+          <p:cNvSpPr>
+            <a:spLocks noGrp="1" noRot="1" noChangeAspect="1"/>
+          </p:cNvSpPr>
+          <p:nvPr>
+            <p:ph type="sldImg"/>
+          </p:nvPr>
+        </p:nvSpPr>
+        <p:spPr/>
+      </p:sp>
+      <p:sp>
+        <p:nvSpPr>
+          <p:cNvPr id="3" name="Notizenplatzhalter 2"/>
+          <p:cNvSpPr>
+            <a:spLocks noGrp="1"/>
+          </p:cNvSpPr>
+          <p:nvPr>
+            <p:ph type="body" idx="1"/>
+          </p:nvPr>
+        </p:nvSpPr>
+        <p:spPr/>
+        <p:txBody>
+          <a:bodyPr/>
+          <a:lstStyle/>
+          <a:p>
+            <a:pPr marL="0" marR="0" indent="0" algn="l" defTabSz="914400" rtl="0" eaLnBrk="1" fontAlgn="auto" latinLnBrk="0" hangingPunct="1">
+              <a:lnSpc>
+                <a:spcPct val="100000"/>
+              </a:lnSpc>
+              <a:spcBef>
+                <a:spcPts val="0"/>
+              </a:spcBef>
+              <a:spcAft>
+                <a:spcPts val="0"/>
+              </a:spcAft>
+              <a:buClrTx/>
+              <a:buSzTx/>
+              <a:buFontTx/>
+              <a:buNone/>
+              <a:tabLst/>
+              <a:defRPr/>
+            </a:pPr>
+            <a:r>
+              <a:rPr lang="en-US" dirty="0" err="1" smtClean="0"/>
+              <a:t>loosli</a:t>
+            </a:r>
+            <a:endParaRPr lang="de-CH" dirty="0" smtClean="0"/>
+          </a:p>
+          <a:p>
+            <a:endParaRPr lang="de-CH" dirty="0"/>
+          </a:p>
+        </p:txBody>
+      </p:sp>
+      <p:sp>
+        <p:nvSpPr>
+          <p:cNvPr id="4" name="Foliennummernplatzhalter 3"/>
+          <p:cNvSpPr>
+            <a:spLocks noGrp="1"/>
+          </p:cNvSpPr>
+          <p:nvPr>
+            <p:ph type="sldNum" sz="quarter" idx="10"/>
+          </p:nvPr>
+        </p:nvSpPr>
+        <p:spPr/>
+        <p:txBody>
+          <a:bodyPr/>
+          <a:lstStyle/>
+          <a:p>
+            <a:fld id="{A3D55E34-74BD-467A-B430-0BFC03FCF4E8}" type="slidenum">
+              <a:rPr lang="de-CH" smtClean="0"/>
+              <a:t>10</a:t>
+            </a:fld>
+            <a:endParaRPr lang="de-CH"/>
+          </a:p>
+        </p:txBody>
+      </p:sp>
+    </p:spTree>
+    <p:extLst>
+      <p:ext uri="{BB962C8B-B14F-4D97-AF65-F5344CB8AC3E}">
+        <p14:creationId xmlns:p14="http://schemas.microsoft.com/office/powerpoint/2010/main" val="2680914377"/>
+      </p:ext>
+    </p:extLst>
+  </p:cSld>
+  <p:clrMapOvr>
+    <a:masterClrMapping/>
+  </p:clrMapOvr>
+</p:notes>
+</file>
+
 <file path=ppt/slideLayouts/slideLayout1.xml><?xml version="1.0" encoding="utf-8"?>
-<p:sldLayout xmlns:a="http://schemas.openxmlformats.org/drawingml/2006/main" xmlns:r="http://schemas.openxmlformats.org/officeDocument/2006/relationships" xmlns:mc="http://schemas.openxmlformats.org/markup-compatibility/2006" xmlns:mv="urn:schemas-microsoft-com:mac:vml" xmlns:p="http://schemas.openxmlformats.org/presentationml/2006/main" mc:Ignorable="mv" mc:PreserveAttributes="mv:*" type="title" preserve="1">
+<p:sldLayout xmlns:a="http://schemas.openxmlformats.org/drawingml/2006/main" xmlns:r="http://schemas.openxmlformats.org/officeDocument/2006/relationships" xmlns:p="http://schemas.openxmlformats.org/presentationml/2006/main" type="title" preserve="1">
   <p:cSld name="Titelfolie">
     <p:spTree>
       <p:nvGrpSpPr>
@@ -356,7 +1981,7 @@
     </p:spTree>
     <p:extLst>
       <p:ext uri="{BB962C8B-B14F-4D97-AF65-F5344CB8AC3E}">
-        <p14:creationId xmlns:p14="http://schemas.microsoft.com/office/powerpoint/2010/main" xmlns:p="http://schemas.openxmlformats.org/presentationml/2006/main" xmlns:r="http://schemas.openxmlformats.org/officeDocument/2006/relationships" xmlns:a="http://schemas.openxmlformats.org/drawingml/2006/main" xmlns="" val="980593453"/>
+        <p14:creationId xmlns:p14="http://schemas.microsoft.com/office/powerpoint/2010/main" val="980593453"/>
       </p:ext>
     </p:extLst>
   </p:cSld>
@@ -367,7 +1992,7 @@
 </file>
 
 <file path=ppt/slideLayouts/slideLayout10.xml><?xml version="1.0" encoding="utf-8"?>
-<p:sldLayout xmlns:a="http://schemas.openxmlformats.org/drawingml/2006/main" xmlns:r="http://schemas.openxmlformats.org/officeDocument/2006/relationships" xmlns:mc="http://schemas.openxmlformats.org/markup-compatibility/2006" xmlns:mv="urn:schemas-microsoft-com:mac:vml" xmlns:p="http://schemas.openxmlformats.org/presentationml/2006/main" mc:Ignorable="mv" mc:PreserveAttributes="mv:*" type="vertTx" preserve="1">
+<p:sldLayout xmlns:a="http://schemas.openxmlformats.org/drawingml/2006/main" xmlns:r="http://schemas.openxmlformats.org/officeDocument/2006/relationships" xmlns:p="http://schemas.openxmlformats.org/presentationml/2006/main" type="vertTx" preserve="1">
   <p:cSld name="Titel und vertikaler Text">
     <p:spTree>
       <p:nvGrpSpPr>
@@ -528,7 +2153,7 @@
     </p:spTree>
     <p:extLst>
       <p:ext uri="{BB962C8B-B14F-4D97-AF65-F5344CB8AC3E}">
-        <p14:creationId xmlns:p14="http://schemas.microsoft.com/office/powerpoint/2010/main" xmlns:p="http://schemas.openxmlformats.org/presentationml/2006/main" xmlns:r="http://schemas.openxmlformats.org/officeDocument/2006/relationships" xmlns:a="http://schemas.openxmlformats.org/drawingml/2006/main" xmlns="" val="1351689983"/>
+        <p14:creationId xmlns:p14="http://schemas.microsoft.com/office/powerpoint/2010/main" val="1351689983"/>
       </p:ext>
     </p:extLst>
   </p:cSld>
@@ -539,7 +2164,7 @@
 </file>
 
 <file path=ppt/slideLayouts/slideLayout11.xml><?xml version="1.0" encoding="utf-8"?>
-<p:sldLayout xmlns:a="http://schemas.openxmlformats.org/drawingml/2006/main" xmlns:r="http://schemas.openxmlformats.org/officeDocument/2006/relationships" xmlns:mc="http://schemas.openxmlformats.org/markup-compatibility/2006" xmlns:mv="urn:schemas-microsoft-com:mac:vml" xmlns:p="http://schemas.openxmlformats.org/presentationml/2006/main" mc:Ignorable="mv" mc:PreserveAttributes="mv:*" type="vertTitleAndTx" preserve="1">
+<p:sldLayout xmlns:a="http://schemas.openxmlformats.org/drawingml/2006/main" xmlns:r="http://schemas.openxmlformats.org/officeDocument/2006/relationships" xmlns:p="http://schemas.openxmlformats.org/presentationml/2006/main" type="vertTitleAndTx" preserve="1">
   <p:cSld name="Vertikaler Titel und Text">
     <p:spTree>
       <p:nvGrpSpPr>
@@ -710,7 +2335,7 @@
     </p:spTree>
     <p:extLst>
       <p:ext uri="{BB962C8B-B14F-4D97-AF65-F5344CB8AC3E}">
-        <p14:creationId xmlns:p14="http://schemas.microsoft.com/office/powerpoint/2010/main" xmlns:p="http://schemas.openxmlformats.org/presentationml/2006/main" xmlns:r="http://schemas.openxmlformats.org/officeDocument/2006/relationships" xmlns:a="http://schemas.openxmlformats.org/drawingml/2006/main" xmlns="" val="1868959876"/>
+        <p14:creationId xmlns:p14="http://schemas.microsoft.com/office/powerpoint/2010/main" val="1868959876"/>
       </p:ext>
     </p:extLst>
   </p:cSld>
@@ -721,7 +2346,7 @@
 </file>
 
 <file path=ppt/slideLayouts/slideLayout2.xml><?xml version="1.0" encoding="utf-8"?>
-<p:sldLayout xmlns:a="http://schemas.openxmlformats.org/drawingml/2006/main" xmlns:r="http://schemas.openxmlformats.org/officeDocument/2006/relationships" xmlns:mc="http://schemas.openxmlformats.org/markup-compatibility/2006" xmlns:mv="urn:schemas-microsoft-com:mac:vml" xmlns:p="http://schemas.openxmlformats.org/presentationml/2006/main" mc:Ignorable="mv" mc:PreserveAttributes="mv:*" type="obj" preserve="1">
+<p:sldLayout xmlns:a="http://schemas.openxmlformats.org/drawingml/2006/main" xmlns:r="http://schemas.openxmlformats.org/officeDocument/2006/relationships" xmlns:p="http://schemas.openxmlformats.org/presentationml/2006/main" type="obj" preserve="1">
   <p:cSld name="Titel und Inhalt">
     <p:spTree>
       <p:nvGrpSpPr>
@@ -882,7 +2507,7 @@
     </p:spTree>
     <p:extLst>
       <p:ext uri="{BB962C8B-B14F-4D97-AF65-F5344CB8AC3E}">
-        <p14:creationId xmlns:p14="http://schemas.microsoft.com/office/powerpoint/2010/main" xmlns:p="http://schemas.openxmlformats.org/presentationml/2006/main" xmlns:r="http://schemas.openxmlformats.org/officeDocument/2006/relationships" xmlns:a="http://schemas.openxmlformats.org/drawingml/2006/main" xmlns="" val="164857199"/>
+        <p14:creationId xmlns:p14="http://schemas.microsoft.com/office/powerpoint/2010/main" val="164857199"/>
       </p:ext>
     </p:extLst>
   </p:cSld>
@@ -893,7 +2518,7 @@
 </file>
 
 <file path=ppt/slideLayouts/slideLayout3.xml><?xml version="1.0" encoding="utf-8"?>
-<p:sldLayout xmlns:a="http://schemas.openxmlformats.org/drawingml/2006/main" xmlns:r="http://schemas.openxmlformats.org/officeDocument/2006/relationships" xmlns:mc="http://schemas.openxmlformats.org/markup-compatibility/2006" xmlns:mv="urn:schemas-microsoft-com:mac:vml" xmlns:p="http://schemas.openxmlformats.org/presentationml/2006/main" mc:Ignorable="mv" mc:PreserveAttributes="mv:*" type="secHead" preserve="1">
+<p:sldLayout xmlns:a="http://schemas.openxmlformats.org/drawingml/2006/main" xmlns:r="http://schemas.openxmlformats.org/officeDocument/2006/relationships" xmlns:p="http://schemas.openxmlformats.org/presentationml/2006/main" type="secHead" preserve="1">
   <p:cSld name="Abschnitts-&#10;überschrift">
     <p:spTree>
       <p:nvGrpSpPr>
@@ -1130,7 +2755,7 @@
     </p:spTree>
     <p:extLst>
       <p:ext uri="{BB962C8B-B14F-4D97-AF65-F5344CB8AC3E}">
-        <p14:creationId xmlns:p14="http://schemas.microsoft.com/office/powerpoint/2010/main" xmlns:p="http://schemas.openxmlformats.org/presentationml/2006/main" xmlns:r="http://schemas.openxmlformats.org/officeDocument/2006/relationships" xmlns:a="http://schemas.openxmlformats.org/drawingml/2006/main" xmlns="" val="1566558041"/>
+        <p14:creationId xmlns:p14="http://schemas.microsoft.com/office/powerpoint/2010/main" val="1566558041"/>
       </p:ext>
     </p:extLst>
   </p:cSld>
@@ -1141,7 +2766,7 @@
 </file>
 
 <file path=ppt/slideLayouts/slideLayout4.xml><?xml version="1.0" encoding="utf-8"?>
-<p:sldLayout xmlns:a="http://schemas.openxmlformats.org/drawingml/2006/main" xmlns:r="http://schemas.openxmlformats.org/officeDocument/2006/relationships" xmlns:mc="http://schemas.openxmlformats.org/markup-compatibility/2006" xmlns:mv="urn:schemas-microsoft-com:mac:vml" xmlns:p="http://schemas.openxmlformats.org/presentationml/2006/main" mc:Ignorable="mv" mc:PreserveAttributes="mv:*" type="twoObj" preserve="1">
+<p:sldLayout xmlns:a="http://schemas.openxmlformats.org/drawingml/2006/main" xmlns:r="http://schemas.openxmlformats.org/officeDocument/2006/relationships" xmlns:p="http://schemas.openxmlformats.org/presentationml/2006/main" type="twoObj" preserve="1">
   <p:cSld name="Zwei Inhalte">
     <p:spTree>
       <p:nvGrpSpPr>
@@ -1420,7 +3045,7 @@
     </p:spTree>
     <p:extLst>
       <p:ext uri="{BB962C8B-B14F-4D97-AF65-F5344CB8AC3E}">
-        <p14:creationId xmlns:p14="http://schemas.microsoft.com/office/powerpoint/2010/main" xmlns:p="http://schemas.openxmlformats.org/presentationml/2006/main" xmlns:r="http://schemas.openxmlformats.org/officeDocument/2006/relationships" xmlns:a="http://schemas.openxmlformats.org/drawingml/2006/main" xmlns="" val="4029145210"/>
+        <p14:creationId xmlns:p14="http://schemas.microsoft.com/office/powerpoint/2010/main" val="4029145210"/>
       </p:ext>
     </p:extLst>
   </p:cSld>
@@ -1431,7 +3056,7 @@
 </file>
 
 <file path=ppt/slideLayouts/slideLayout5.xml><?xml version="1.0" encoding="utf-8"?>
-<p:sldLayout xmlns:a="http://schemas.openxmlformats.org/drawingml/2006/main" xmlns:r="http://schemas.openxmlformats.org/officeDocument/2006/relationships" xmlns:mc="http://schemas.openxmlformats.org/markup-compatibility/2006" xmlns:mv="urn:schemas-microsoft-com:mac:vml" xmlns:p="http://schemas.openxmlformats.org/presentationml/2006/main" mc:Ignorable="mv" mc:PreserveAttributes="mv:*" type="twoTxTwoObj" preserve="1">
+<p:sldLayout xmlns:a="http://schemas.openxmlformats.org/drawingml/2006/main" xmlns:r="http://schemas.openxmlformats.org/officeDocument/2006/relationships" xmlns:p="http://schemas.openxmlformats.org/presentationml/2006/main" type="twoTxTwoObj" preserve="1">
   <p:cSld name="Vergleich">
     <p:spTree>
       <p:nvGrpSpPr>
@@ -1844,7 +3469,7 @@
     </p:spTree>
     <p:extLst>
       <p:ext uri="{BB962C8B-B14F-4D97-AF65-F5344CB8AC3E}">
-        <p14:creationId xmlns:p14="http://schemas.microsoft.com/office/powerpoint/2010/main" xmlns:p="http://schemas.openxmlformats.org/presentationml/2006/main" xmlns:r="http://schemas.openxmlformats.org/officeDocument/2006/relationships" xmlns:a="http://schemas.openxmlformats.org/drawingml/2006/main" xmlns="" val="2707295784"/>
+        <p14:creationId xmlns:p14="http://schemas.microsoft.com/office/powerpoint/2010/main" val="2707295784"/>
       </p:ext>
     </p:extLst>
   </p:cSld>
@@ -1855,7 +3480,7 @@
 </file>
 
 <file path=ppt/slideLayouts/slideLayout6.xml><?xml version="1.0" encoding="utf-8"?>
-<p:sldLayout xmlns:a="http://schemas.openxmlformats.org/drawingml/2006/main" xmlns:r="http://schemas.openxmlformats.org/officeDocument/2006/relationships" xmlns:mc="http://schemas.openxmlformats.org/markup-compatibility/2006" xmlns:mv="urn:schemas-microsoft-com:mac:vml" xmlns:p="http://schemas.openxmlformats.org/presentationml/2006/main" mc:Ignorable="mv" mc:PreserveAttributes="mv:*" type="titleOnly" preserve="1">
+<p:sldLayout xmlns:a="http://schemas.openxmlformats.org/drawingml/2006/main" xmlns:r="http://schemas.openxmlformats.org/officeDocument/2006/relationships" xmlns:p="http://schemas.openxmlformats.org/presentationml/2006/main" type="titleOnly" preserve="1">
   <p:cSld name="Nur Titel">
     <p:spTree>
       <p:nvGrpSpPr>
@@ -1964,7 +3589,7 @@
     </p:spTree>
     <p:extLst>
       <p:ext uri="{BB962C8B-B14F-4D97-AF65-F5344CB8AC3E}">
-        <p14:creationId xmlns:p14="http://schemas.microsoft.com/office/powerpoint/2010/main" xmlns:p="http://schemas.openxmlformats.org/presentationml/2006/main" xmlns:r="http://schemas.openxmlformats.org/officeDocument/2006/relationships" xmlns:a="http://schemas.openxmlformats.org/drawingml/2006/main" xmlns="" val="1659055161"/>
+        <p14:creationId xmlns:p14="http://schemas.microsoft.com/office/powerpoint/2010/main" val="1659055161"/>
       </p:ext>
     </p:extLst>
   </p:cSld>
@@ -1975,7 +3600,7 @@
 </file>
 
 <file path=ppt/slideLayouts/slideLayout7.xml><?xml version="1.0" encoding="utf-8"?>
-<p:sldLayout xmlns:a="http://schemas.openxmlformats.org/drawingml/2006/main" xmlns:r="http://schemas.openxmlformats.org/officeDocument/2006/relationships" xmlns:mc="http://schemas.openxmlformats.org/markup-compatibility/2006" xmlns:mv="urn:schemas-microsoft-com:mac:vml" xmlns:p="http://schemas.openxmlformats.org/presentationml/2006/main" mc:Ignorable="mv" mc:PreserveAttributes="mv:*" type="blank" preserve="1">
+<p:sldLayout xmlns:a="http://schemas.openxmlformats.org/drawingml/2006/main" xmlns:r="http://schemas.openxmlformats.org/officeDocument/2006/relationships" xmlns:p="http://schemas.openxmlformats.org/presentationml/2006/main" type="blank" preserve="1">
   <p:cSld name="Leer">
     <p:spTree>
       <p:nvGrpSpPr>
@@ -2061,7 +3686,7 @@
     </p:spTree>
     <p:extLst>
       <p:ext uri="{BB962C8B-B14F-4D97-AF65-F5344CB8AC3E}">
-        <p14:creationId xmlns:p14="http://schemas.microsoft.com/office/powerpoint/2010/main" xmlns:p="http://schemas.openxmlformats.org/presentationml/2006/main" xmlns:r="http://schemas.openxmlformats.org/officeDocument/2006/relationships" xmlns:a="http://schemas.openxmlformats.org/drawingml/2006/main" xmlns="" val="3726901861"/>
+        <p14:creationId xmlns:p14="http://schemas.microsoft.com/office/powerpoint/2010/main" val="3726901861"/>
       </p:ext>
     </p:extLst>
   </p:cSld>
@@ -2072,7 +3697,7 @@
 </file>
 
 <file path=ppt/slideLayouts/slideLayout8.xml><?xml version="1.0" encoding="utf-8"?>
-<p:sldLayout xmlns:a="http://schemas.openxmlformats.org/drawingml/2006/main" xmlns:r="http://schemas.openxmlformats.org/officeDocument/2006/relationships" xmlns:mc="http://schemas.openxmlformats.org/markup-compatibility/2006" xmlns:mv="urn:schemas-microsoft-com:mac:vml" xmlns:p="http://schemas.openxmlformats.org/presentationml/2006/main" mc:Ignorable="mv" mc:PreserveAttributes="mv:*" type="objTx" preserve="1">
+<p:sldLayout xmlns:a="http://schemas.openxmlformats.org/drawingml/2006/main" xmlns:r="http://schemas.openxmlformats.org/officeDocument/2006/relationships" xmlns:p="http://schemas.openxmlformats.org/presentationml/2006/main" type="objTx" preserve="1">
   <p:cSld name="Inhalt mit Überschrift">
     <p:spTree>
       <p:nvGrpSpPr>
@@ -2340,7 +3965,7 @@
     </p:spTree>
     <p:extLst>
       <p:ext uri="{BB962C8B-B14F-4D97-AF65-F5344CB8AC3E}">
-        <p14:creationId xmlns:p14="http://schemas.microsoft.com/office/powerpoint/2010/main" xmlns:p="http://schemas.openxmlformats.org/presentationml/2006/main" xmlns:r="http://schemas.openxmlformats.org/officeDocument/2006/relationships" xmlns:a="http://schemas.openxmlformats.org/drawingml/2006/main" xmlns="" val="2387567336"/>
+        <p14:creationId xmlns:p14="http://schemas.microsoft.com/office/powerpoint/2010/main" val="2387567336"/>
       </p:ext>
     </p:extLst>
   </p:cSld>
@@ -2351,7 +3976,7 @@
 </file>
 
 <file path=ppt/slideLayouts/slideLayout9.xml><?xml version="1.0" encoding="utf-8"?>
-<p:sldLayout xmlns:a="http://schemas.openxmlformats.org/drawingml/2006/main" xmlns:r="http://schemas.openxmlformats.org/officeDocument/2006/relationships" xmlns:mc="http://schemas.openxmlformats.org/markup-compatibility/2006" xmlns:mv="urn:schemas-microsoft-com:mac:vml" xmlns:p="http://schemas.openxmlformats.org/presentationml/2006/main" mc:Ignorable="mv" mc:PreserveAttributes="mv:*" type="picTx" preserve="1">
+<p:sldLayout xmlns:a="http://schemas.openxmlformats.org/drawingml/2006/main" xmlns:r="http://schemas.openxmlformats.org/officeDocument/2006/relationships" xmlns:p="http://schemas.openxmlformats.org/presentationml/2006/main" type="picTx" preserve="1">
   <p:cSld name="Bild mit Überschrift">
     <p:spTree>
       <p:nvGrpSpPr>
@@ -2595,7 +4220,7 @@
     </p:spTree>
     <p:extLst>
       <p:ext uri="{BB962C8B-B14F-4D97-AF65-F5344CB8AC3E}">
-        <p14:creationId xmlns:p14="http://schemas.microsoft.com/office/powerpoint/2010/main" xmlns:p="http://schemas.openxmlformats.org/presentationml/2006/main" xmlns:r="http://schemas.openxmlformats.org/officeDocument/2006/relationships" xmlns:a="http://schemas.openxmlformats.org/drawingml/2006/main" xmlns="" val="2382937639"/>
+        <p14:creationId xmlns:p14="http://schemas.microsoft.com/office/powerpoint/2010/main" val="2382937639"/>
       </p:ext>
     </p:extLst>
   </p:cSld>
@@ -2606,7 +4231,7 @@
 </file>
 
 <file path=ppt/slideMasters/slideMaster1.xml><?xml version="1.0" encoding="utf-8"?>
-<p:sldMaster xmlns:a="http://schemas.openxmlformats.org/drawingml/2006/main" xmlns:r="http://schemas.openxmlformats.org/officeDocument/2006/relationships" xmlns:mc="http://schemas.openxmlformats.org/markup-compatibility/2006" xmlns:mv="urn:schemas-microsoft-com:mac:vml" xmlns:p="http://schemas.openxmlformats.org/presentationml/2006/main" mc:Ignorable="mv" mc:PreserveAttributes="mv:*">
+<p:sldMaster xmlns:a="http://schemas.openxmlformats.org/drawingml/2006/main" xmlns:r="http://schemas.openxmlformats.org/officeDocument/2006/relationships" xmlns:p="http://schemas.openxmlformats.org/presentationml/2006/main">
   <p:cSld>
     <p:bg>
       <p:bgRef idx="1001">
@@ -2846,7 +4471,7 @@
     </p:spTree>
     <p:extLst>
       <p:ext uri="{BB962C8B-B14F-4D97-AF65-F5344CB8AC3E}">
-        <p14:creationId xmlns:p14="http://schemas.microsoft.com/office/powerpoint/2010/main" xmlns:p="http://schemas.openxmlformats.org/presentationml/2006/main" xmlns:r="http://schemas.openxmlformats.org/officeDocument/2006/relationships" xmlns:a="http://schemas.openxmlformats.org/drawingml/2006/main" xmlns="" val="3233437805"/>
+        <p14:creationId xmlns:p14="http://schemas.microsoft.com/office/powerpoint/2010/main" val="3233437805"/>
       </p:ext>
     </p:extLst>
   </p:cSld>
@@ -3118,7 +4743,7 @@
 </file>
 
 <file path=ppt/slides/slide1.xml><?xml version="1.0" encoding="utf-8"?>
-<p:sld xmlns:a="http://schemas.openxmlformats.org/drawingml/2006/main" xmlns:r="http://schemas.openxmlformats.org/officeDocument/2006/relationships" xmlns:mc="http://schemas.openxmlformats.org/markup-compatibility/2006" xmlns:mv="urn:schemas-microsoft-com:mac:vml" xmlns:p="http://schemas.openxmlformats.org/presentationml/2006/main" mc:Ignorable="mv" mc:PreserveAttributes="mv:*">
+<p:sld xmlns:a="http://schemas.openxmlformats.org/drawingml/2006/main" xmlns:r="http://schemas.openxmlformats.org/officeDocument/2006/relationships" xmlns:p="http://schemas.openxmlformats.org/presentationml/2006/main">
   <p:cSld>
     <p:spTree>
       <p:nvGrpSpPr>
@@ -3213,7 +4838,7 @@
     </p:spTree>
     <p:extLst>
       <p:ext uri="{BB962C8B-B14F-4D97-AF65-F5344CB8AC3E}">
-        <p14:creationId xmlns:p14="http://schemas.microsoft.com/office/powerpoint/2010/main" xmlns:p="http://schemas.openxmlformats.org/presentationml/2006/main" xmlns:r="http://schemas.openxmlformats.org/officeDocument/2006/relationships" xmlns:a="http://schemas.openxmlformats.org/drawingml/2006/main" xmlns="" val="2747158683"/>
+        <p14:creationId xmlns:p14="http://schemas.microsoft.com/office/powerpoint/2010/main" val="2747158683"/>
       </p:ext>
     </p:extLst>
   </p:cSld>
@@ -3231,7 +4856,7 @@
 </file>
 
 <file path=ppt/slides/slide10.xml><?xml version="1.0" encoding="utf-8"?>
-<p:sld xmlns:a="http://schemas.openxmlformats.org/drawingml/2006/main" xmlns:r="http://schemas.openxmlformats.org/officeDocument/2006/relationships" xmlns:mc="http://schemas.openxmlformats.org/markup-compatibility/2006" xmlns:mv="urn:schemas-microsoft-com:mac:vml" xmlns:p="http://schemas.openxmlformats.org/presentationml/2006/main" mc:Ignorable="mv" mc:PreserveAttributes="mv:*">
+<p:sld xmlns:a="http://schemas.openxmlformats.org/drawingml/2006/main" xmlns:r="http://schemas.openxmlformats.org/officeDocument/2006/relationships" xmlns:p="http://schemas.openxmlformats.org/presentationml/2006/main">
   <p:cSld>
     <p:spTree>
       <p:nvGrpSpPr>
@@ -3312,7 +4937,7 @@
           <p:nvPr/>
         </p:nvPicPr>
         <p:blipFill>
-          <a:blip r:embed="rId2"/>
+          <a:blip r:embed="rId3"/>
           <a:stretch>
             <a:fillRect/>
           </a:stretch>
@@ -3343,7 +4968,7 @@
 </file>
 
 <file path=ppt/slides/slide11.xml><?xml version="1.0" encoding="utf-8"?>
-<p:sld xmlns:a="http://schemas.openxmlformats.org/drawingml/2006/main" xmlns:r="http://schemas.openxmlformats.org/officeDocument/2006/relationships" xmlns:mc="http://schemas.openxmlformats.org/markup-compatibility/2006" xmlns:mv="urn:schemas-microsoft-com:mac:vml" xmlns:p="http://schemas.openxmlformats.org/presentationml/2006/main" mc:Ignorable="mv" mc:PreserveAttributes="mv:*">
+<p:sld xmlns:a="http://schemas.openxmlformats.org/drawingml/2006/main" xmlns:r="http://schemas.openxmlformats.org/officeDocument/2006/relationships" xmlns:p="http://schemas.openxmlformats.org/presentationml/2006/main">
   <p:cSld>
     <p:spTree>
       <p:nvGrpSpPr>
@@ -3456,7 +5081,7 @@
           <p:nvPr/>
         </p:nvPicPr>
         <p:blipFill>
-          <a:blip r:embed="rId2"/>
+          <a:blip r:embed="rId3"/>
           <a:stretch>
             <a:fillRect/>
           </a:stretch>
@@ -3487,7 +5112,7 @@
 </file>
 
 <file path=ppt/slides/slide12.xml><?xml version="1.0" encoding="utf-8"?>
-<p:sld xmlns:a="http://schemas.openxmlformats.org/drawingml/2006/main" xmlns:r="http://schemas.openxmlformats.org/officeDocument/2006/relationships" xmlns:mc="http://schemas.openxmlformats.org/markup-compatibility/2006" xmlns:mv="urn:schemas-microsoft-com:mac:vml" xmlns:p="http://schemas.openxmlformats.org/presentationml/2006/main" mc:Ignorable="mv" mc:PreserveAttributes="mv:*">
+<p:sld xmlns:a="http://schemas.openxmlformats.org/drawingml/2006/main" xmlns:r="http://schemas.openxmlformats.org/officeDocument/2006/relationships" xmlns:p="http://schemas.openxmlformats.org/presentationml/2006/main">
   <p:cSld>
     <p:spTree>
       <p:nvGrpSpPr>
@@ -3615,7 +5240,7 @@
     </p:spTree>
     <p:extLst>
       <p:ext uri="{BB962C8B-B14F-4D97-AF65-F5344CB8AC3E}">
-        <p14:creationId xmlns:p14="http://schemas.microsoft.com/office/powerpoint/2010/main" xmlns:p="http://schemas.openxmlformats.org/presentationml/2006/main" xmlns:r="http://schemas.openxmlformats.org/officeDocument/2006/relationships" xmlns:a="http://schemas.openxmlformats.org/drawingml/2006/main" xmlns="" val="3804586808"/>
+        <p14:creationId xmlns:p14="http://schemas.microsoft.com/office/powerpoint/2010/main" val="3804586808"/>
       </p:ext>
     </p:extLst>
   </p:cSld>
@@ -3633,7 +5258,7 @@
 </file>
 
 <file path=ppt/slides/slide13.xml><?xml version="1.0" encoding="utf-8"?>
-<p:sld xmlns:a="http://schemas.openxmlformats.org/drawingml/2006/main" xmlns:r="http://schemas.openxmlformats.org/officeDocument/2006/relationships" xmlns:mc="http://schemas.openxmlformats.org/markup-compatibility/2006" xmlns:mv="urn:schemas-microsoft-com:mac:vml" xmlns:p="http://schemas.openxmlformats.org/presentationml/2006/main" mc:Ignorable="mv" mc:PreserveAttributes="mv:*">
+<p:sld xmlns:a="http://schemas.openxmlformats.org/drawingml/2006/main" xmlns:r="http://schemas.openxmlformats.org/officeDocument/2006/relationships" xmlns:p="http://schemas.openxmlformats.org/presentationml/2006/main">
   <p:cSld>
     <p:spTree>
       <p:nvGrpSpPr>
@@ -4297,7 +5922,7 @@
     </p:spTree>
     <p:extLst>
       <p:ext uri="{BB962C8B-B14F-4D97-AF65-F5344CB8AC3E}">
-        <p14:creationId xmlns:p14="http://schemas.microsoft.com/office/powerpoint/2010/main" xmlns:p="http://schemas.openxmlformats.org/presentationml/2006/main" xmlns:r="http://schemas.openxmlformats.org/officeDocument/2006/relationships" xmlns:a="http://schemas.openxmlformats.org/drawingml/2006/main" xmlns="" val="2233056147"/>
+        <p14:creationId xmlns:p14="http://schemas.microsoft.com/office/powerpoint/2010/main" val="2233056147"/>
       </p:ext>
     </p:extLst>
   </p:cSld>
@@ -4315,7 +5940,7 @@
 </file>
 
 <file path=ppt/slides/slide14.xml><?xml version="1.0" encoding="utf-8"?>
-<p:sld xmlns:a="http://schemas.openxmlformats.org/drawingml/2006/main" xmlns:r="http://schemas.openxmlformats.org/officeDocument/2006/relationships" xmlns:mc="http://schemas.openxmlformats.org/markup-compatibility/2006" xmlns:mv="urn:schemas-microsoft-com:mac:vml" xmlns:p="http://schemas.openxmlformats.org/presentationml/2006/main" mc:Ignorable="mv" mc:PreserveAttributes="mv:*">
+<p:sld xmlns:a="http://schemas.openxmlformats.org/drawingml/2006/main" xmlns:r="http://schemas.openxmlformats.org/officeDocument/2006/relationships" xmlns:p="http://schemas.openxmlformats.org/presentationml/2006/main">
   <p:cSld>
     <p:spTree>
       <p:nvGrpSpPr>
@@ -4487,18 +6112,18 @@
     </p:spTree>
     <p:extLst>
       <p:ext uri="{BB962C8B-B14F-4D97-AF65-F5344CB8AC3E}">
-        <p14:creationId xmlns:p14="http://schemas.microsoft.com/office/powerpoint/2010/main" xmlns:p="http://schemas.openxmlformats.org/presentationml/2006/main" xmlns:r="http://schemas.openxmlformats.org/officeDocument/2006/relationships" xmlns:a="http://schemas.openxmlformats.org/drawingml/2006/main" xmlns="" val="3110578527"/>
+        <p14:creationId xmlns:p14="http://schemas.microsoft.com/office/powerpoint/2010/main" val="3110578527"/>
       </p:ext>
     </p:extLst>
   </p:cSld>
   <p:clrMapOvr>
     <a:masterClrMapping/>
   </p:clrMapOvr>
-  <mc:AlternateContent>
-    <mc:Choice xmlns:mc="http://schemas.openxmlformats.org/markup-compatibility/2006" xmlns:p14="http://schemas.microsoft.com/office/powerpoint/2010/main" xmlns:p="http://schemas.openxmlformats.org/presentationml/2006/main" xmlns:r="http://schemas.openxmlformats.org/officeDocument/2006/relationships" xmlns:a="http://schemas.openxmlformats.org/drawingml/2006/main" xmlns="" Requires="p14">
+  <mc:AlternateContent xmlns:mc="http://schemas.openxmlformats.org/markup-compatibility/2006" xmlns:p14="http://schemas.microsoft.com/office/powerpoint/2010/main">
+    <mc:Choice Requires="p14">
       <p:transition spd="slow" p14:dur="2000"/>
     </mc:Choice>
-    <mc:Fallback>
+    <mc:Fallback xmlns:mv="urn:schemas-microsoft-com:mac:vml" xmlns="">
       <p:transition spd="slow"/>
     </mc:Fallback>
   </mc:AlternateContent>
@@ -4513,7 +6138,7 @@
 </file>
 
 <file path=ppt/slides/slide15.xml><?xml version="1.0" encoding="utf-8"?>
-<p:sld xmlns:a="http://schemas.openxmlformats.org/drawingml/2006/main" xmlns:r="http://schemas.openxmlformats.org/officeDocument/2006/relationships" xmlns:mc="http://schemas.openxmlformats.org/markup-compatibility/2006" xmlns:mv="urn:schemas-microsoft-com:mac:vml" xmlns:p="http://schemas.openxmlformats.org/presentationml/2006/main" mc:Ignorable="mv" mc:PreserveAttributes="mv:*">
+<p:sld xmlns:a="http://schemas.openxmlformats.org/drawingml/2006/main" xmlns:r="http://schemas.openxmlformats.org/officeDocument/2006/relationships" xmlns:p="http://schemas.openxmlformats.org/presentationml/2006/main">
   <p:cSld>
     <p:spTree>
       <p:nvGrpSpPr>
@@ -4580,7 +6205,7 @@
 </file>
 
 <file path=ppt/slides/slide16.xml><?xml version="1.0" encoding="utf-8"?>
-<p:sld xmlns:a="http://schemas.openxmlformats.org/drawingml/2006/main" xmlns:r="http://schemas.openxmlformats.org/officeDocument/2006/relationships" xmlns:mc="http://schemas.openxmlformats.org/markup-compatibility/2006" xmlns:mv="urn:schemas-microsoft-com:mac:vml" xmlns:p="http://schemas.openxmlformats.org/presentationml/2006/main" mc:Ignorable="mv" mc:PreserveAttributes="mv:*">
+<p:sld xmlns:a="http://schemas.openxmlformats.org/drawingml/2006/main" xmlns:r="http://schemas.openxmlformats.org/officeDocument/2006/relationships" xmlns:p="http://schemas.openxmlformats.org/presentationml/2006/main">
   <p:cSld>
     <p:spTree>
       <p:nvGrpSpPr>
@@ -4650,7 +6275,7 @@
     </p:spTree>
     <p:extLst>
       <p:ext uri="{BB962C8B-B14F-4D97-AF65-F5344CB8AC3E}">
-        <p14:creationId xmlns:p14="http://schemas.microsoft.com/office/powerpoint/2010/main" xmlns:p="http://schemas.openxmlformats.org/presentationml/2006/main" xmlns:r="http://schemas.openxmlformats.org/officeDocument/2006/relationships" xmlns:a="http://schemas.openxmlformats.org/drawingml/2006/main" xmlns="" val="441039908"/>
+        <p14:creationId xmlns:p14="http://schemas.microsoft.com/office/powerpoint/2010/main" val="441039908"/>
       </p:ext>
     </p:extLst>
   </p:cSld>
@@ -4668,7 +6293,7 @@
 </file>
 
 <file path=ppt/slides/slide2.xml><?xml version="1.0" encoding="utf-8"?>
-<p:sld xmlns:a="http://schemas.openxmlformats.org/drawingml/2006/main" xmlns:r="http://schemas.openxmlformats.org/officeDocument/2006/relationships" xmlns:mc="http://schemas.openxmlformats.org/markup-compatibility/2006" xmlns:mv="urn:schemas-microsoft-com:mac:vml" xmlns:p="http://schemas.openxmlformats.org/presentationml/2006/main" mc:Ignorable="mv" mc:PreserveAttributes="mv:*">
+<p:sld xmlns:a="http://schemas.openxmlformats.org/drawingml/2006/main" xmlns:r="http://schemas.openxmlformats.org/officeDocument/2006/relationships" xmlns:p="http://schemas.openxmlformats.org/presentationml/2006/main">
   <p:cSld>
     <p:spTree>
       <p:nvGrpSpPr>
@@ -4728,7 +6353,6 @@
               <a:rPr lang="de-CH" dirty="0" smtClean="0"/>
               <a:t>Problemanalyse</a:t>
             </a:r>
-            <a:endParaRPr lang="de-CH" dirty="0" smtClean="0"/>
           </a:p>
           <a:p>
             <a:r>
@@ -4747,16 +6371,12 @@
               <a:rPr lang="de-CH" dirty="0" err="1" smtClean="0"/>
               <a:t>Luhn-Algorithmus</a:t>
             </a:r>
-            <a:endParaRPr lang="de-CH" smtClean="0"/>
-          </a:p>
-          <a:p>
-            <a:r>
-              <a:rPr lang="de-CH" smtClean="0"/>
-              <a:t>Unsere </a:t>
-            </a:r>
+            <a:endParaRPr lang="de-CH" dirty="0" smtClean="0"/>
+          </a:p>
+          <a:p>
             <a:r>
               <a:rPr lang="de-CH" dirty="0" smtClean="0"/>
-              <a:t>Lösung</a:t>
+              <a:t>Unsere Lösung</a:t>
             </a:r>
           </a:p>
           <a:p>
@@ -4764,20 +6384,11 @@
               <a:rPr lang="de-CH" dirty="0" smtClean="0"/>
               <a:t>Flussdiagramm</a:t>
             </a:r>
-            <a:endParaRPr lang="de-CH" dirty="0" smtClean="0"/>
           </a:p>
           <a:p>
             <a:r>
               <a:rPr lang="de-CH" dirty="0" smtClean="0"/>
-              <a:t>Vor</a:t>
-            </a:r>
-            <a:r>
-              <a:rPr lang="de-CH" dirty="0" smtClean="0"/>
-              <a:t>- und Nachteile unserer </a:t>
-            </a:r>
-            <a:r>
-              <a:rPr lang="de-CH" dirty="0" smtClean="0"/>
-              <a:t>Lösung</a:t>
+              <a:t>Vor- und Nachteile unserer Lösung</a:t>
             </a:r>
           </a:p>
           <a:p>
@@ -4785,7 +6396,6 @@
               <a:rPr lang="de-CH" dirty="0" smtClean="0"/>
               <a:t>Demo</a:t>
             </a:r>
-            <a:endParaRPr lang="de-CH" dirty="0" smtClean="0"/>
           </a:p>
           <a:p>
             <a:r>
@@ -4799,7 +6409,7 @@
     </p:spTree>
     <p:extLst>
       <p:ext uri="{BB962C8B-B14F-4D97-AF65-F5344CB8AC3E}">
-        <p14:creationId xmlns:p14="http://schemas.microsoft.com/office/powerpoint/2010/main" xmlns:p="http://schemas.openxmlformats.org/presentationml/2006/main" xmlns:r="http://schemas.openxmlformats.org/officeDocument/2006/relationships" xmlns:a="http://schemas.openxmlformats.org/drawingml/2006/main" xmlns="" val="1565599146"/>
+        <p14:creationId xmlns:p14="http://schemas.microsoft.com/office/powerpoint/2010/main" val="1565599146"/>
       </p:ext>
     </p:extLst>
   </p:cSld>
@@ -4817,7 +6427,7 @@
 </file>
 
 <file path=ppt/slides/slide3.xml><?xml version="1.0" encoding="utf-8"?>
-<p:sld xmlns:a="http://schemas.openxmlformats.org/drawingml/2006/main" xmlns:r="http://schemas.openxmlformats.org/officeDocument/2006/relationships" xmlns:mc="http://schemas.openxmlformats.org/markup-compatibility/2006" xmlns:mv="urn:schemas-microsoft-com:mac:vml" xmlns:p="http://schemas.openxmlformats.org/presentationml/2006/main" mc:Ignorable="mv" mc:PreserveAttributes="mv:*">
+<p:sld xmlns:a="http://schemas.openxmlformats.org/drawingml/2006/main" xmlns:r="http://schemas.openxmlformats.org/officeDocument/2006/relationships" xmlns:p="http://schemas.openxmlformats.org/presentationml/2006/main">
   <p:cSld>
     <p:spTree>
       <p:nvGrpSpPr>
@@ -5013,7 +6623,7 @@
     </p:spTree>
     <p:extLst>
       <p:ext uri="{BB962C8B-B14F-4D97-AF65-F5344CB8AC3E}">
-        <p14:creationId xmlns:p14="http://schemas.microsoft.com/office/powerpoint/2010/main" xmlns:p="http://schemas.openxmlformats.org/presentationml/2006/main" xmlns:r="http://schemas.openxmlformats.org/officeDocument/2006/relationships" xmlns:a="http://schemas.openxmlformats.org/drawingml/2006/main" xmlns="" val="2404872572"/>
+        <p14:creationId xmlns:p14="http://schemas.microsoft.com/office/powerpoint/2010/main" val="2404872572"/>
       </p:ext>
     </p:extLst>
   </p:cSld>
@@ -5031,7 +6641,7 @@
 </file>
 
 <file path=ppt/slides/slide4.xml><?xml version="1.0" encoding="utf-8"?>
-<p:sld xmlns:a="http://schemas.openxmlformats.org/drawingml/2006/main" xmlns:r="http://schemas.openxmlformats.org/officeDocument/2006/relationships" xmlns:mc="http://schemas.openxmlformats.org/markup-compatibility/2006" xmlns:mv="urn:schemas-microsoft-com:mac:vml" xmlns:p="http://schemas.openxmlformats.org/presentationml/2006/main" mc:Ignorable="mv" mc:PreserveAttributes="mv:*">
+<p:sld xmlns:a="http://schemas.openxmlformats.org/drawingml/2006/main" xmlns:r="http://schemas.openxmlformats.org/officeDocument/2006/relationships" xmlns:p="http://schemas.openxmlformats.org/presentationml/2006/main">
   <p:cSld>
     <p:spTree>
       <p:nvGrpSpPr>
@@ -5158,7 +6768,7 @@
           <p:nvPr/>
         </p:nvPicPr>
         <p:blipFill>
-          <a:blip r:embed="rId2"/>
+          <a:blip r:embed="rId3"/>
           <a:stretch>
             <a:fillRect/>
           </a:stretch>
@@ -5189,7 +6799,7 @@
 </file>
 
 <file path=ppt/slides/slide5.xml><?xml version="1.0" encoding="utf-8"?>
-<p:sld xmlns:a="http://schemas.openxmlformats.org/drawingml/2006/main" xmlns:r="http://schemas.openxmlformats.org/officeDocument/2006/relationships" xmlns:mc="http://schemas.openxmlformats.org/markup-compatibility/2006" xmlns:mv="urn:schemas-microsoft-com:mac:vml" xmlns:p="http://schemas.openxmlformats.org/presentationml/2006/main" mc:Ignorable="mv" mc:PreserveAttributes="mv:*">
+<p:sld xmlns:a="http://schemas.openxmlformats.org/drawingml/2006/main" xmlns:r="http://schemas.openxmlformats.org/officeDocument/2006/relationships" xmlns:p="http://schemas.openxmlformats.org/presentationml/2006/main">
   <p:cSld>
     <p:spTree>
       <p:nvGrpSpPr>
@@ -5277,26 +6887,14 @@
             </a:r>
             <a:r>
               <a:rPr lang="de-DE" dirty="0" smtClean="0"/>
-              <a:t> – 34xxxx, 37xxxx</a:t>
-            </a:r>
+              <a:t> – 34xxxx, 37xxxx </a:t>
+            </a:r>
+          </a:p>
+          <a:p>
+            <a:pPr lvl="1"/>
             <a:r>
               <a:rPr lang="de-DE" dirty="0" smtClean="0"/>
-              <a:t> </a:t>
-            </a:r>
-          </a:p>
-          <a:p>
-            <a:pPr lvl="1"/>
-            <a:r>
-              <a:rPr lang="de-DE" dirty="0" smtClean="0"/>
-              <a:t>Visa </a:t>
-            </a:r>
-            <a:r>
-              <a:rPr lang="de-DE" dirty="0" smtClean="0"/>
-              <a:t>– 4xxxxxx</a:t>
-            </a:r>
-            <a:r>
-              <a:rPr lang="de-DE" dirty="0" smtClean="0"/>
-              <a:t> </a:t>
+              <a:t>Visa – 4xxxxxx </a:t>
             </a:r>
           </a:p>
           <a:p>
@@ -5307,15 +6905,7 @@
             </a:r>
             <a:r>
               <a:rPr lang="de-DE" dirty="0" smtClean="0"/>
-              <a:t> </a:t>
-            </a:r>
-            <a:r>
-              <a:rPr lang="de-DE" dirty="0" smtClean="0"/>
-              <a:t>– 51xxxx – 55xxxx</a:t>
-            </a:r>
-            <a:r>
-              <a:rPr lang="de-DE" dirty="0" smtClean="0"/>
-              <a:t> </a:t>
+              <a:t> – 51xxxx – 55xxxx </a:t>
             </a:r>
           </a:p>
           <a:p>
@@ -5326,15 +6916,7 @@
             </a:r>
             <a:r>
               <a:rPr lang="de-DE" dirty="0" smtClean="0"/>
-              <a:t> </a:t>
-            </a:r>
-            <a:r>
-              <a:rPr lang="de-DE" dirty="0" smtClean="0"/>
-              <a:t>– 6011xx, </a:t>
-            </a:r>
-            <a:r>
-              <a:rPr lang="de-DE" dirty="0" smtClean="0"/>
-              <a:t>644xxx</a:t>
+              <a:t> – 6011xx, 644xxx</a:t>
             </a:r>
             <a:endParaRPr lang="de-DE" dirty="0"/>
           </a:p>
@@ -5349,7 +6931,7 @@
           <p:nvPr/>
         </p:nvPicPr>
         <p:blipFill>
-          <a:blip r:embed="rId2"/>
+          <a:blip r:embed="rId3"/>
           <a:stretch>
             <a:fillRect/>
           </a:stretch>
@@ -5380,7 +6962,7 @@
 </file>
 
 <file path=ppt/slides/slide6.xml><?xml version="1.0" encoding="utf-8"?>
-<p:sld xmlns:a="http://schemas.openxmlformats.org/drawingml/2006/main" xmlns:r="http://schemas.openxmlformats.org/officeDocument/2006/relationships" xmlns:mc="http://schemas.openxmlformats.org/markup-compatibility/2006" xmlns:mv="urn:schemas-microsoft-com:mac:vml" xmlns:p="http://schemas.openxmlformats.org/presentationml/2006/main" mc:Ignorable="mv" mc:PreserveAttributes="mv:*">
+<p:sld xmlns:a="http://schemas.openxmlformats.org/drawingml/2006/main" xmlns:r="http://schemas.openxmlformats.org/officeDocument/2006/relationships" xmlns:p="http://schemas.openxmlformats.org/presentationml/2006/main">
   <p:cSld>
     <p:spTree>
       <p:nvGrpSpPr>
@@ -5436,11 +7018,7 @@
           <a:p>
             <a:r>
               <a:rPr lang="de-DE" dirty="0" smtClean="0"/>
-              <a:t>3</a:t>
-            </a:r>
-            <a:r>
-              <a:rPr lang="de-DE" dirty="0" smtClean="0"/>
-              <a:t>: </a:t>
+              <a:t>3: </a:t>
             </a:r>
             <a:r>
               <a:rPr lang="de-DE" dirty="0" err="1" smtClean="0"/>
@@ -5489,7 +7067,7 @@
           <p:nvPr/>
         </p:nvPicPr>
         <p:blipFill>
-          <a:blip r:embed="rId2"/>
+          <a:blip r:embed="rId3"/>
           <a:stretch>
             <a:fillRect/>
           </a:stretch>
@@ -5520,7 +7098,7 @@
 </file>
 
 <file path=ppt/slides/slide7.xml><?xml version="1.0" encoding="utf-8"?>
-<p:sld xmlns:a="http://schemas.openxmlformats.org/drawingml/2006/main" xmlns:r="http://schemas.openxmlformats.org/officeDocument/2006/relationships" xmlns:mc="http://schemas.openxmlformats.org/markup-compatibility/2006" xmlns:mv="urn:schemas-microsoft-com:mac:vml" xmlns:p="http://schemas.openxmlformats.org/presentationml/2006/main" mc:Ignorable="mv" mc:PreserveAttributes="mv:*">
+<p:sld xmlns:a="http://schemas.openxmlformats.org/drawingml/2006/main" xmlns:r="http://schemas.openxmlformats.org/officeDocument/2006/relationships" xmlns:p="http://schemas.openxmlformats.org/presentationml/2006/main">
   <p:cSld>
     <p:spTree>
       <p:nvGrpSpPr>
@@ -5576,11 +7154,7 @@
           <a:p>
             <a:r>
               <a:rPr lang="en-US" dirty="0" err="1" smtClean="0"/>
-              <a:t>Luhn</a:t>
-            </a:r>
-            <a:r>
-              <a:rPr lang="en-US" dirty="0" err="1" smtClean="0"/>
-              <a:t>-Algorithmus</a:t>
+              <a:t>Luhn-Algorithmus</a:t>
             </a:r>
             <a:r>
               <a:rPr lang="en-US" dirty="0" smtClean="0"/>
@@ -5645,7 +7219,6 @@
               <a:rPr lang="en-US" dirty="0" smtClean="0"/>
               <a:t>?</a:t>
             </a:r>
-            <a:endParaRPr lang="en-US" dirty="0" smtClean="0"/>
           </a:p>
           <a:p>
             <a:pPr marL="0" indent="0">
@@ -5661,7 +7234,7 @@
     </p:spTree>
     <p:extLst>
       <p:ext uri="{BB962C8B-B14F-4D97-AF65-F5344CB8AC3E}">
-        <p14:creationId xmlns:p14="http://schemas.microsoft.com/office/powerpoint/2010/main" xmlns:p="http://schemas.openxmlformats.org/presentationml/2006/main" xmlns:r="http://schemas.openxmlformats.org/officeDocument/2006/relationships" xmlns:a="http://schemas.openxmlformats.org/drawingml/2006/main" xmlns="" val="1845140867"/>
+        <p14:creationId xmlns:p14="http://schemas.microsoft.com/office/powerpoint/2010/main" val="1845140867"/>
       </p:ext>
     </p:extLst>
   </p:cSld>
@@ -5679,7 +7252,7 @@
 </file>
 
 <file path=ppt/slides/slide8.xml><?xml version="1.0" encoding="utf-8"?>
-<p:sld xmlns:a="http://schemas.openxmlformats.org/drawingml/2006/main" xmlns:r="http://schemas.openxmlformats.org/officeDocument/2006/relationships" xmlns:mc="http://schemas.openxmlformats.org/markup-compatibility/2006" xmlns:mv="urn:schemas-microsoft-com:mac:vml" xmlns:p="http://schemas.openxmlformats.org/presentationml/2006/main" mc:Ignorable="mv" mc:PreserveAttributes="mv:*">
+<p:sld xmlns:a="http://schemas.openxmlformats.org/drawingml/2006/main" xmlns:r="http://schemas.openxmlformats.org/officeDocument/2006/relationships" xmlns:p="http://schemas.openxmlformats.org/presentationml/2006/main">
   <p:cSld>
     <p:spTree>
       <p:nvGrpSpPr>
@@ -5766,7 +7339,7 @@
           <p:nvPr/>
         </p:nvPicPr>
         <p:blipFill>
-          <a:blip r:embed="rId2"/>
+          <a:blip r:embed="rId3"/>
           <a:stretch>
             <a:fillRect/>
           </a:stretch>
@@ -5797,7 +7370,7 @@
 </file>
 
 <file path=ppt/slides/slide9.xml><?xml version="1.0" encoding="utf-8"?>
-<p:sld xmlns:a="http://schemas.openxmlformats.org/drawingml/2006/main" xmlns:r="http://schemas.openxmlformats.org/officeDocument/2006/relationships" xmlns:mc="http://schemas.openxmlformats.org/markup-compatibility/2006" xmlns:mv="urn:schemas-microsoft-com:mac:vml" xmlns:p="http://schemas.openxmlformats.org/presentationml/2006/main" mc:Ignorable="mv" mc:PreserveAttributes="mv:*">
+<p:sld xmlns:a="http://schemas.openxmlformats.org/drawingml/2006/main" xmlns:r="http://schemas.openxmlformats.org/officeDocument/2006/relationships" xmlns:p="http://schemas.openxmlformats.org/presentationml/2006/main">
   <p:cSld>
     <p:spTree>
       <p:nvGrpSpPr>
@@ -5878,7 +7451,7 @@
           <p:nvPr/>
         </p:nvPicPr>
         <p:blipFill>
-          <a:blip r:embed="rId2"/>
+          <a:blip r:embed="rId3"/>
           <a:stretch>
             <a:fillRect/>
           </a:stretch>
@@ -6191,4 +7764,289 @@
   <a:objectDefaults/>
   <a:extraClrSchemeLst/>
 </a:theme>
+</file>
+
+<file path=ppt/theme/theme2.xml><?xml version="1.0" encoding="utf-8"?>
+<a:theme xmlns:a="http://schemas.openxmlformats.org/drawingml/2006/main" name="Larissa">
+  <a:themeElements>
+    <a:clrScheme name="Larissa">
+      <a:dk1>
+        <a:sysClr val="windowText" lastClr="000000"/>
+      </a:dk1>
+      <a:lt1>
+        <a:sysClr val="window" lastClr="FFFFFF"/>
+      </a:lt1>
+      <a:dk2>
+        <a:srgbClr val="1F497D"/>
+      </a:dk2>
+      <a:lt2>
+        <a:srgbClr val="EEECE1"/>
+      </a:lt2>
+      <a:accent1>
+        <a:srgbClr val="4F81BD"/>
+      </a:accent1>
+      <a:accent2>
+        <a:srgbClr val="C0504D"/>
+      </a:accent2>
+      <a:accent3>
+        <a:srgbClr val="9BBB59"/>
+      </a:accent3>
+      <a:accent4>
+        <a:srgbClr val="8064A2"/>
+      </a:accent4>
+      <a:accent5>
+        <a:srgbClr val="4BACC6"/>
+      </a:accent5>
+      <a:accent6>
+        <a:srgbClr val="F79646"/>
+      </a:accent6>
+      <a:hlink>
+        <a:srgbClr val="0000FF"/>
+      </a:hlink>
+      <a:folHlink>
+        <a:srgbClr val="800080"/>
+      </a:folHlink>
+    </a:clrScheme>
+    <a:fontScheme name="Larissa">
+      <a:majorFont>
+        <a:latin typeface="Calibri"/>
+        <a:ea typeface=""/>
+        <a:cs typeface=""/>
+        <a:font script="Jpan" typeface="ＭＳ Ｐゴシック"/>
+        <a:font script="Hang" typeface="맑은 고딕"/>
+        <a:font script="Hans" typeface="宋体"/>
+        <a:font script="Hant" typeface="新細明體"/>
+        <a:font script="Arab" typeface="Times New Roman"/>
+        <a:font script="Hebr" typeface="Times New Roman"/>
+        <a:font script="Thai" typeface="Angsana New"/>
+        <a:font script="Ethi" typeface="Nyala"/>
+        <a:font script="Beng" typeface="Vrinda"/>
+        <a:font script="Gujr" typeface="Shruti"/>
+        <a:font script="Khmr" typeface="MoolBoran"/>
+        <a:font script="Knda" typeface="Tunga"/>
+        <a:font script="Guru" typeface="Raavi"/>
+        <a:font script="Cans" typeface="Euphemia"/>
+        <a:font script="Cher" typeface="Plantagenet Cherokee"/>
+        <a:font script="Yiii" typeface="Microsoft Yi Baiti"/>
+        <a:font script="Tibt" typeface="Microsoft Himalaya"/>
+        <a:font script="Thaa" typeface="MV Boli"/>
+        <a:font script="Deva" typeface="Mangal"/>
+        <a:font script="Telu" typeface="Gautami"/>
+        <a:font script="Taml" typeface="Latha"/>
+        <a:font script="Syrc" typeface="Estrangelo Edessa"/>
+        <a:font script="Orya" typeface="Kalinga"/>
+        <a:font script="Mlym" typeface="Kartika"/>
+        <a:font script="Laoo" typeface="DokChampa"/>
+        <a:font script="Sinh" typeface="Iskoola Pota"/>
+        <a:font script="Mong" typeface="Mongolian Baiti"/>
+        <a:font script="Viet" typeface="Times New Roman"/>
+        <a:font script="Uigh" typeface="Microsoft Uighur"/>
+        <a:font script="Geor" typeface="Sylfaen"/>
+      </a:majorFont>
+      <a:minorFont>
+        <a:latin typeface="Calibri"/>
+        <a:ea typeface=""/>
+        <a:cs typeface=""/>
+        <a:font script="Jpan" typeface="ＭＳ Ｐゴシック"/>
+        <a:font script="Hang" typeface="맑은 고딕"/>
+        <a:font script="Hans" typeface="宋体"/>
+        <a:font script="Hant" typeface="新細明體"/>
+        <a:font script="Arab" typeface="Arial"/>
+        <a:font script="Hebr" typeface="Arial"/>
+        <a:font script="Thai" typeface="Cordia New"/>
+        <a:font script="Ethi" typeface="Nyala"/>
+        <a:font script="Beng" typeface="Vrinda"/>
+        <a:font script="Gujr" typeface="Shruti"/>
+        <a:font script="Khmr" typeface="DaunPenh"/>
+        <a:font script="Knda" typeface="Tunga"/>
+        <a:font script="Guru" typeface="Raavi"/>
+        <a:font script="Cans" typeface="Euphemia"/>
+        <a:font script="Cher" typeface="Plantagenet Cherokee"/>
+        <a:font script="Yiii" typeface="Microsoft Yi Baiti"/>
+        <a:font script="Tibt" typeface="Microsoft Himalaya"/>
+        <a:font script="Thaa" typeface="MV Boli"/>
+        <a:font script="Deva" typeface="Mangal"/>
+        <a:font script="Telu" typeface="Gautami"/>
+        <a:font script="Taml" typeface="Latha"/>
+        <a:font script="Syrc" typeface="Estrangelo Edessa"/>
+        <a:font script="Orya" typeface="Kalinga"/>
+        <a:font script="Mlym" typeface="Kartika"/>
+        <a:font script="Laoo" typeface="DokChampa"/>
+        <a:font script="Sinh" typeface="Iskoola Pota"/>
+        <a:font script="Mong" typeface="Mongolian Baiti"/>
+        <a:font script="Viet" typeface="Arial"/>
+        <a:font script="Uigh" typeface="Microsoft Uighur"/>
+        <a:font script="Geor" typeface="Sylfaen"/>
+      </a:minorFont>
+    </a:fontScheme>
+    <a:fmtScheme name="Larissa">
+      <a:fillStyleLst>
+        <a:solidFill>
+          <a:schemeClr val="phClr"/>
+        </a:solidFill>
+        <a:gradFill rotWithShape="1">
+          <a:gsLst>
+            <a:gs pos="0">
+              <a:schemeClr val="phClr">
+                <a:tint val="50000"/>
+                <a:satMod val="300000"/>
+              </a:schemeClr>
+            </a:gs>
+            <a:gs pos="35000">
+              <a:schemeClr val="phClr">
+                <a:tint val="37000"/>
+                <a:satMod val="300000"/>
+              </a:schemeClr>
+            </a:gs>
+            <a:gs pos="100000">
+              <a:schemeClr val="phClr">
+                <a:tint val="15000"/>
+                <a:satMod val="350000"/>
+              </a:schemeClr>
+            </a:gs>
+          </a:gsLst>
+          <a:lin ang="16200000" scaled="1"/>
+        </a:gradFill>
+        <a:gradFill rotWithShape="1">
+          <a:gsLst>
+            <a:gs pos="0">
+              <a:schemeClr val="phClr">
+                <a:shade val="51000"/>
+                <a:satMod val="130000"/>
+              </a:schemeClr>
+            </a:gs>
+            <a:gs pos="80000">
+              <a:schemeClr val="phClr">
+                <a:shade val="93000"/>
+                <a:satMod val="130000"/>
+              </a:schemeClr>
+            </a:gs>
+            <a:gs pos="100000">
+              <a:schemeClr val="phClr">
+                <a:shade val="94000"/>
+                <a:satMod val="135000"/>
+              </a:schemeClr>
+            </a:gs>
+          </a:gsLst>
+          <a:lin ang="16200000" scaled="0"/>
+        </a:gradFill>
+      </a:fillStyleLst>
+      <a:lnStyleLst>
+        <a:ln w="9525" cap="flat" cmpd="sng" algn="ctr">
+          <a:solidFill>
+            <a:schemeClr val="phClr">
+              <a:shade val="95000"/>
+              <a:satMod val="105000"/>
+            </a:schemeClr>
+          </a:solidFill>
+          <a:prstDash val="solid"/>
+        </a:ln>
+        <a:ln w="25400" cap="flat" cmpd="sng" algn="ctr">
+          <a:solidFill>
+            <a:schemeClr val="phClr"/>
+          </a:solidFill>
+          <a:prstDash val="solid"/>
+        </a:ln>
+        <a:ln w="38100" cap="flat" cmpd="sng" algn="ctr">
+          <a:solidFill>
+            <a:schemeClr val="phClr"/>
+          </a:solidFill>
+          <a:prstDash val="solid"/>
+        </a:ln>
+      </a:lnStyleLst>
+      <a:effectStyleLst>
+        <a:effectStyle>
+          <a:effectLst>
+            <a:outerShdw blurRad="40000" dist="20000" dir="5400000" rotWithShape="0">
+              <a:srgbClr val="000000">
+                <a:alpha val="38000"/>
+              </a:srgbClr>
+            </a:outerShdw>
+          </a:effectLst>
+        </a:effectStyle>
+        <a:effectStyle>
+          <a:effectLst>
+            <a:outerShdw blurRad="40000" dist="23000" dir="5400000" rotWithShape="0">
+              <a:srgbClr val="000000">
+                <a:alpha val="35000"/>
+              </a:srgbClr>
+            </a:outerShdw>
+          </a:effectLst>
+        </a:effectStyle>
+        <a:effectStyle>
+          <a:effectLst>
+            <a:outerShdw blurRad="40000" dist="23000" dir="5400000" rotWithShape="0">
+              <a:srgbClr val="000000">
+                <a:alpha val="35000"/>
+              </a:srgbClr>
+            </a:outerShdw>
+          </a:effectLst>
+          <a:scene3d>
+            <a:camera prst="orthographicFront">
+              <a:rot lat="0" lon="0" rev="0"/>
+            </a:camera>
+            <a:lightRig rig="threePt" dir="t">
+              <a:rot lat="0" lon="0" rev="1200000"/>
+            </a:lightRig>
+          </a:scene3d>
+          <a:sp3d>
+            <a:bevelT w="63500" h="25400"/>
+          </a:sp3d>
+        </a:effectStyle>
+      </a:effectStyleLst>
+      <a:bgFillStyleLst>
+        <a:solidFill>
+          <a:schemeClr val="phClr"/>
+        </a:solidFill>
+        <a:gradFill rotWithShape="1">
+          <a:gsLst>
+            <a:gs pos="0">
+              <a:schemeClr val="phClr">
+                <a:tint val="40000"/>
+                <a:satMod val="350000"/>
+              </a:schemeClr>
+            </a:gs>
+            <a:gs pos="40000">
+              <a:schemeClr val="phClr">
+                <a:tint val="45000"/>
+                <a:shade val="99000"/>
+                <a:satMod val="350000"/>
+              </a:schemeClr>
+            </a:gs>
+            <a:gs pos="100000">
+              <a:schemeClr val="phClr">
+                <a:shade val="20000"/>
+                <a:satMod val="255000"/>
+              </a:schemeClr>
+            </a:gs>
+          </a:gsLst>
+          <a:path path="circle">
+            <a:fillToRect l="50000" t="-80000" r="50000" b="180000"/>
+          </a:path>
+        </a:gradFill>
+        <a:gradFill rotWithShape="1">
+          <a:gsLst>
+            <a:gs pos="0">
+              <a:schemeClr val="phClr">
+                <a:tint val="80000"/>
+                <a:satMod val="300000"/>
+              </a:schemeClr>
+            </a:gs>
+            <a:gs pos="100000">
+              <a:schemeClr val="phClr">
+                <a:shade val="30000"/>
+                <a:satMod val="200000"/>
+              </a:schemeClr>
+            </a:gs>
+          </a:gsLst>
+          <a:path path="circle">
+            <a:fillToRect l="50000" t="50000" r="50000" b="50000"/>
+          </a:path>
+        </a:gradFill>
+      </a:bgFillStyleLst>
+    </a:fmtScheme>
+  </a:themeElements>
+  <a:objectDefaults/>
+  <a:extraClrSchemeLst/>
+</a:theme>
 </file>